--- a/html/ppt/day two.pptx
+++ b/html/ppt/day two.pptx
@@ -5,17 +5,26 @@
     <p:sldMasterId id="2147483660" r:id="rId1"/>
   </p:sldMasterIdLst>
   <p:notesMasterIdLst>
-    <p:notesMasterId r:id="rId10"/>
+    <p:notesMasterId r:id="rId19"/>
   </p:notesMasterIdLst>
   <p:sldIdLst>
     <p:sldId id="895" r:id="rId2"/>
     <p:sldId id="856" r:id="rId3"/>
-    <p:sldId id="903" r:id="rId4"/>
-    <p:sldId id="899" r:id="rId5"/>
-    <p:sldId id="900" r:id="rId6"/>
+    <p:sldId id="899" r:id="rId4"/>
+    <p:sldId id="900" r:id="rId5"/>
+    <p:sldId id="909" r:id="rId6"/>
     <p:sldId id="901" r:id="rId7"/>
     <p:sldId id="902" r:id="rId8"/>
-    <p:sldId id="898" r:id="rId9"/>
+    <p:sldId id="904" r:id="rId9"/>
+    <p:sldId id="911" r:id="rId10"/>
+    <p:sldId id="905" r:id="rId11"/>
+    <p:sldId id="906" r:id="rId12"/>
+    <p:sldId id="907" r:id="rId13"/>
+    <p:sldId id="908" r:id="rId14"/>
+    <p:sldId id="910" r:id="rId15"/>
+    <p:sldId id="912" r:id="rId16"/>
+    <p:sldId id="913" r:id="rId17"/>
+    <p:sldId id="898" r:id="rId18"/>
   </p:sldIdLst>
   <p:sldSz cx="9144000" cy="6858000" type="screen4x3"/>
   <p:notesSz cx="6858000" cy="9144000"/>
@@ -4223,7 +4232,21 @@
                 <a:latin typeface="Times New Roman" pitchFamily="18" charset="0"/>
                 <a:cs typeface="Times New Roman" pitchFamily="18" charset="0"/>
               </a:rPr>
-              <a:t>Introduction to HTML5 and CSS3: Day 1</a:t>
+              <a:t>Introduction to HTML5 and CSS3: Day </a:t>
+            </a:r>
+            <a:r>
+              <a:rPr lang="en-US" sz="4800" dirty="0" smtClean="0">
+                <a:latin typeface="Times New Roman" pitchFamily="18" charset="0"/>
+                <a:cs typeface="Times New Roman" pitchFamily="18" charset="0"/>
+              </a:rPr>
+              <a:t>2</a:t>
+            </a:r>
+            <a:r>
+              <a:rPr lang="en-US" sz="4800" dirty="0" smtClean="0">
+                <a:latin typeface="Times New Roman" pitchFamily="18" charset="0"/>
+                <a:cs typeface="Times New Roman" pitchFamily="18" charset="0"/>
+              </a:rPr>
+              <a:t/>
             </a:r>
             <a:br>
               <a:rPr lang="en-US" sz="4800" dirty="0" smtClean="0">
@@ -4237,6 +4260,1622 @@
                 <a:cs typeface="Times New Roman" pitchFamily="18" charset="0"/>
               </a:rPr>
               <a:t>Dr. Naveen Kumar, BES-1</a:t>
+            </a:r>
+            <a:endParaRPr lang="en-US" dirty="0"/>
+          </a:p>
+        </p:txBody>
+      </p:sp>
+      <p:sp>
+        <p:nvSpPr>
+          <p:cNvPr id="4" name="Date Placeholder 3"/>
+          <p:cNvSpPr>
+            <a:spLocks noGrp="1"/>
+          </p:cNvSpPr>
+          <p:nvPr>
+            <p:ph type="dt" sz="half" idx="10"/>
+          </p:nvPr>
+        </p:nvSpPr>
+        <p:spPr/>
+        <p:txBody>
+          <a:bodyPr/>
+          <a:lstStyle/>
+          <a:p>
+            <a:pPr>
+              <a:defRPr/>
+            </a:pPr>
+            <a:fld id="{0DB64D86-418B-43E8-B677-73A34D214A7C}" type="datetime2">
+              <a:rPr lang="en-US" smtClean="0"/>
+              <a:pPr>
+                <a:defRPr/>
+              </a:pPr>
+              <a:t>Monday, June 15, 2020</a:t>
+            </a:fld>
+            <a:endParaRPr lang="en-US" dirty="0"/>
+          </a:p>
+        </p:txBody>
+      </p:sp>
+      <p:sp>
+        <p:nvSpPr>
+          <p:cNvPr id="7" name="Footer Placeholder 4"/>
+          <p:cNvSpPr>
+            <a:spLocks noGrp="1"/>
+          </p:cNvSpPr>
+          <p:nvPr>
+            <p:ph type="ftr" sz="quarter" idx="11"/>
+          </p:nvPr>
+        </p:nvSpPr>
+        <p:spPr>
+          <a:xfrm>
+            <a:off x="3124200" y="6416675"/>
+            <a:ext cx="2895600" cy="365125"/>
+          </a:xfrm>
+        </p:spPr>
+        <p:txBody>
+          <a:bodyPr/>
+          <a:lstStyle/>
+          <a:p>
+            <a:pPr>
+              <a:defRPr/>
+            </a:pPr>
+            <a:r>
+              <a:rPr lang="en-US" dirty="0" smtClean="0"/>
+              <a:t>KLEF (Deemed to be University), Dept. of BES-1  FDP : Introduction to HTML5 and CSS3</a:t>
+            </a:r>
+            <a:endParaRPr lang="en-US" dirty="0"/>
+          </a:p>
+        </p:txBody>
+      </p:sp>
+    </p:spTree>
+  </p:cSld>
+  <p:clrMapOvr>
+    <a:masterClrMapping/>
+  </p:clrMapOvr>
+  <p:timing>
+    <p:tnLst>
+      <p:par>
+        <p:cTn id="1" dur="indefinite" restart="never" nodeType="tmRoot"/>
+      </p:par>
+    </p:tnLst>
+  </p:timing>
+</p:sld>
+</file>
+
+<file path=ppt/slides/slide10.xml><?xml version="1.0" encoding="utf-8"?>
+<p:sld xmlns:a="http://schemas.openxmlformats.org/drawingml/2006/main" xmlns:r="http://schemas.openxmlformats.org/officeDocument/2006/relationships" xmlns:p="http://schemas.openxmlformats.org/presentationml/2006/main">
+  <p:cSld>
+    <p:spTree>
+      <p:nvGrpSpPr>
+        <p:cNvPr id="1" name=""/>
+        <p:cNvGrpSpPr/>
+        <p:nvPr/>
+      </p:nvGrpSpPr>
+      <p:grpSpPr>
+        <a:xfrm>
+          <a:off x="0" y="0"/>
+          <a:ext cx="0" cy="0"/>
+          <a:chOff x="0" y="0"/>
+          <a:chExt cx="0" cy="0"/>
+        </a:xfrm>
+      </p:grpSpPr>
+      <p:sp>
+        <p:nvSpPr>
+          <p:cNvPr id="2" name="Title 1"/>
+          <p:cNvSpPr>
+            <a:spLocks noGrp="1"/>
+          </p:cNvSpPr>
+          <p:nvPr>
+            <p:ph type="title"/>
+          </p:nvPr>
+        </p:nvSpPr>
+        <p:spPr/>
+        <p:txBody>
+          <a:bodyPr/>
+          <a:lstStyle/>
+          <a:p>
+            <a:r>
+              <a:rPr lang="en-US" dirty="0"/>
+              <a:t>The Style Attribute</a:t>
+            </a:r>
+          </a:p>
+        </p:txBody>
+      </p:sp>
+      <p:sp>
+        <p:nvSpPr>
+          <p:cNvPr id="3" name="Content Placeholder 2"/>
+          <p:cNvSpPr>
+            <a:spLocks noGrp="1"/>
+          </p:cNvSpPr>
+          <p:nvPr>
+            <p:ph idx="1"/>
+          </p:nvPr>
+        </p:nvSpPr>
+        <p:spPr/>
+        <p:txBody>
+          <a:bodyPr/>
+          <a:lstStyle/>
+          <a:p>
+            <a:endParaRPr lang="en-US" dirty="0"/>
+          </a:p>
+        </p:txBody>
+      </p:sp>
+      <p:sp>
+        <p:nvSpPr>
+          <p:cNvPr id="4" name="Date Placeholder 3"/>
+          <p:cNvSpPr>
+            <a:spLocks noGrp="1"/>
+          </p:cNvSpPr>
+          <p:nvPr>
+            <p:ph type="dt" sz="half" idx="10"/>
+          </p:nvPr>
+        </p:nvSpPr>
+        <p:spPr/>
+        <p:txBody>
+          <a:bodyPr/>
+          <a:lstStyle/>
+          <a:p>
+            <a:pPr>
+              <a:defRPr/>
+            </a:pPr>
+            <a:fld id="{0DB64D86-418B-43E8-B677-73A34D214A7C}" type="datetime2">
+              <a:rPr lang="en-US" smtClean="0"/>
+              <a:pPr>
+                <a:defRPr/>
+              </a:pPr>
+              <a:t>Tuesday, June 16, 2020</a:t>
+            </a:fld>
+            <a:endParaRPr lang="en-US" dirty="0"/>
+          </a:p>
+        </p:txBody>
+      </p:sp>
+      <p:sp>
+        <p:nvSpPr>
+          <p:cNvPr id="5" name="Footer Placeholder 4"/>
+          <p:cNvSpPr>
+            <a:spLocks noGrp="1"/>
+          </p:cNvSpPr>
+          <p:nvPr>
+            <p:ph type="ftr" sz="quarter" idx="11"/>
+          </p:nvPr>
+        </p:nvSpPr>
+        <p:spPr/>
+        <p:txBody>
+          <a:bodyPr/>
+          <a:lstStyle/>
+          <a:p>
+            <a:pPr>
+              <a:defRPr/>
+            </a:pPr>
+            <a:r>
+              <a:rPr lang="en-US" smtClean="0"/>
+              <a:t>KLEF, Dept. of BES-1  Course : Problem Solving &amp; Computer Programming</a:t>
+            </a:r>
+            <a:endParaRPr lang="en-US" dirty="0"/>
+          </a:p>
+        </p:txBody>
+      </p:sp>
+      <p:pic>
+        <p:nvPicPr>
+          <p:cNvPr id="1026" name="Picture 2" descr="TML Containers and Style Attributes - Part 4 — Data Shop Talk"/>
+          <p:cNvPicPr>
+            <a:picLocks noChangeAspect="1" noChangeArrowheads="1"/>
+          </p:cNvPicPr>
+          <p:nvPr/>
+        </p:nvPicPr>
+        <p:blipFill>
+          <a:blip r:embed="rId2">
+            <a:extLst>
+              <a:ext uri="{28A0092B-C50C-407E-A947-70E740481C1C}">
+                <a14:useLocalDpi xmlns:a14="http://schemas.microsoft.com/office/drawing/2010/main" val="0"/>
+              </a:ext>
+            </a:extLst>
+          </a:blip>
+          <a:srcRect/>
+          <a:stretch>
+            <a:fillRect/>
+          </a:stretch>
+        </p:blipFill>
+        <p:spPr bwMode="auto">
+          <a:xfrm>
+            <a:off x="1941195" y="1302544"/>
+            <a:ext cx="4834890" cy="2543939"/>
+          </a:xfrm>
+          <a:prstGeom prst="rect">
+            <a:avLst/>
+          </a:prstGeom>
+          <a:noFill/>
+          <a:extLst>
+            <a:ext uri="{909E8E84-426E-40DD-AFC4-6F175D3DCCD1}">
+              <a14:hiddenFill xmlns:a14="http://schemas.microsoft.com/office/drawing/2010/main">
+                <a:solidFill>
+                  <a:srgbClr val="FFFFFF"/>
+                </a:solidFill>
+              </a14:hiddenFill>
+            </a:ext>
+          </a:extLst>
+        </p:spPr>
+      </p:pic>
+      <p:pic>
+        <p:nvPicPr>
+          <p:cNvPr id="1028" name="Picture 4" descr="xercise 2 Demo Part E"/>
+          <p:cNvPicPr>
+            <a:picLocks noChangeAspect="1" noChangeArrowheads="1"/>
+          </p:cNvPicPr>
+          <p:nvPr/>
+        </p:nvPicPr>
+        <p:blipFill>
+          <a:blip r:embed="rId3">
+            <a:extLst>
+              <a:ext uri="{28A0092B-C50C-407E-A947-70E740481C1C}">
+                <a14:useLocalDpi xmlns:a14="http://schemas.microsoft.com/office/drawing/2010/main" val="0"/>
+              </a:ext>
+            </a:extLst>
+          </a:blip>
+          <a:srcRect/>
+          <a:stretch>
+            <a:fillRect/>
+          </a:stretch>
+        </p:blipFill>
+        <p:spPr bwMode="auto">
+          <a:xfrm>
+            <a:off x="914400" y="3862710"/>
+            <a:ext cx="7498080" cy="2445663"/>
+          </a:xfrm>
+          <a:prstGeom prst="rect">
+            <a:avLst/>
+          </a:prstGeom>
+          <a:noFill/>
+          <a:extLst>
+            <a:ext uri="{909E8E84-426E-40DD-AFC4-6F175D3DCCD1}">
+              <a14:hiddenFill xmlns:a14="http://schemas.microsoft.com/office/drawing/2010/main">
+                <a:solidFill>
+                  <a:srgbClr val="FFFFFF"/>
+                </a:solidFill>
+              </a14:hiddenFill>
+            </a:ext>
+          </a:extLst>
+        </p:spPr>
+      </p:pic>
+    </p:spTree>
+    <p:extLst>
+      <p:ext uri="{BB962C8B-B14F-4D97-AF65-F5344CB8AC3E}">
+        <p14:creationId xmlns:p14="http://schemas.microsoft.com/office/powerpoint/2010/main" val="1762813875"/>
+      </p:ext>
+    </p:extLst>
+  </p:cSld>
+  <p:clrMapOvr>
+    <a:masterClrMapping/>
+  </p:clrMapOvr>
+  <p:timing>
+    <p:tnLst>
+      <p:par>
+        <p:cTn id="1" dur="indefinite" restart="never" nodeType="tmRoot"/>
+      </p:par>
+    </p:tnLst>
+  </p:timing>
+</p:sld>
+</file>
+
+<file path=ppt/slides/slide11.xml><?xml version="1.0" encoding="utf-8"?>
+<p:sld xmlns:a="http://schemas.openxmlformats.org/drawingml/2006/main" xmlns:r="http://schemas.openxmlformats.org/officeDocument/2006/relationships" xmlns:p="http://schemas.openxmlformats.org/presentationml/2006/main">
+  <p:cSld>
+    <p:spTree>
+      <p:nvGrpSpPr>
+        <p:cNvPr id="1" name=""/>
+        <p:cNvGrpSpPr/>
+        <p:nvPr/>
+      </p:nvGrpSpPr>
+      <p:grpSpPr>
+        <a:xfrm>
+          <a:off x="0" y="0"/>
+          <a:ext cx="0" cy="0"/>
+          <a:chOff x="0" y="0"/>
+          <a:chExt cx="0" cy="0"/>
+        </a:xfrm>
+      </p:grpSpPr>
+      <p:sp>
+        <p:nvSpPr>
+          <p:cNvPr id="2" name="Title 1"/>
+          <p:cNvSpPr>
+            <a:spLocks noGrp="1"/>
+          </p:cNvSpPr>
+          <p:nvPr>
+            <p:ph type="title"/>
+          </p:nvPr>
+        </p:nvSpPr>
+        <p:spPr/>
+        <p:txBody>
+          <a:bodyPr/>
+          <a:lstStyle/>
+          <a:p>
+            <a:r>
+              <a:rPr lang="en-US" dirty="0"/>
+              <a:t>The </a:t>
+            </a:r>
+            <a:r>
+              <a:rPr lang="en-US" dirty="0" smtClean="0"/>
+              <a:t>Style Attribute (cont.)</a:t>
+            </a:r>
+            <a:endParaRPr lang="en-US" dirty="0"/>
+          </a:p>
+        </p:txBody>
+      </p:sp>
+      <p:sp>
+        <p:nvSpPr>
+          <p:cNvPr id="3" name="Content Placeholder 2"/>
+          <p:cNvSpPr>
+            <a:spLocks noGrp="1"/>
+          </p:cNvSpPr>
+          <p:nvPr>
+            <p:ph idx="1"/>
+          </p:nvPr>
+        </p:nvSpPr>
+        <p:spPr/>
+        <p:txBody>
+          <a:bodyPr/>
+          <a:lstStyle/>
+          <a:p>
+            <a:r>
+              <a:rPr lang="en-US" sz="2400" dirty="0"/>
+              <a:t>&lt;</a:t>
+            </a:r>
+            <a:r>
+              <a:rPr lang="en-US" sz="2400" i="1" dirty="0" err="1" smtClean="0"/>
+              <a:t>tagname</a:t>
+            </a:r>
+            <a:r>
+              <a:rPr lang="en-US" sz="2400" dirty="0"/>
+              <a:t> </a:t>
+            </a:r>
+            <a:r>
+              <a:rPr lang="en-US" sz="2400" dirty="0">
+                <a:solidFill>
+                  <a:srgbClr val="0070C0"/>
+                </a:solidFill>
+              </a:rPr>
+              <a:t>style="</a:t>
+            </a:r>
+            <a:r>
+              <a:rPr lang="en-US" sz="2400" i="1" dirty="0" err="1">
+                <a:solidFill>
+                  <a:srgbClr val="0070C0"/>
+                </a:solidFill>
+              </a:rPr>
+              <a:t>property</a:t>
+            </a:r>
+            <a:r>
+              <a:rPr lang="en-US" sz="2400" dirty="0" err="1">
+                <a:solidFill>
+                  <a:srgbClr val="0070C0"/>
+                </a:solidFill>
+              </a:rPr>
+              <a:t>:</a:t>
+            </a:r>
+            <a:r>
+              <a:rPr lang="en-US" sz="2400" i="1" dirty="0" err="1">
+                <a:solidFill>
+                  <a:srgbClr val="0070C0"/>
+                </a:solidFill>
+              </a:rPr>
+              <a:t>value</a:t>
+            </a:r>
+            <a:r>
+              <a:rPr lang="en-US" sz="2400" i="1" dirty="0" smtClean="0">
+                <a:solidFill>
+                  <a:srgbClr val="0070C0"/>
+                </a:solidFill>
+              </a:rPr>
+              <a:t>;</a:t>
+            </a:r>
+            <a:r>
+              <a:rPr lang="en-US" sz="2400" dirty="0" smtClean="0">
+                <a:solidFill>
+                  <a:srgbClr val="0070C0"/>
+                </a:solidFill>
+              </a:rPr>
+              <a:t>"</a:t>
+            </a:r>
+            <a:r>
+              <a:rPr lang="en-US" sz="2400" dirty="0" smtClean="0"/>
+              <a:t>&gt;</a:t>
+            </a:r>
+          </a:p>
+          <a:p>
+            <a:r>
+              <a:rPr lang="en-US" sz="2400" b="1" dirty="0" smtClean="0"/>
+              <a:t>Background Color</a:t>
+            </a:r>
+          </a:p>
+          <a:p>
+            <a:pPr marL="400050" lvl="1" indent="0">
+              <a:buNone/>
+            </a:pPr>
+            <a:r>
+              <a:rPr lang="en-US" sz="2000" dirty="0" smtClean="0"/>
+              <a:t>&lt;p</a:t>
+            </a:r>
+            <a:r>
+              <a:rPr lang="en-US" sz="2000" dirty="0"/>
+              <a:t> </a:t>
+            </a:r>
+            <a:r>
+              <a:rPr lang="en-US" sz="2000" dirty="0">
+                <a:solidFill>
+                  <a:srgbClr val="0070C0"/>
+                </a:solidFill>
+              </a:rPr>
+              <a:t>style="</a:t>
+            </a:r>
+            <a:r>
+              <a:rPr lang="en-US" sz="2000" dirty="0" err="1">
+                <a:solidFill>
+                  <a:srgbClr val="0070C0"/>
+                </a:solidFill>
+              </a:rPr>
+              <a:t>background-color:powderblue</a:t>
+            </a:r>
+            <a:r>
+              <a:rPr lang="en-US" sz="2000" dirty="0" smtClean="0"/>
+              <a:t>;"&gt;</a:t>
+            </a:r>
+            <a:r>
+              <a:rPr lang="mr-IN" sz="2000" dirty="0" smtClean="0"/>
+              <a:t>…</a:t>
+            </a:r>
+            <a:r>
+              <a:rPr lang="en-US" sz="2000" dirty="0" smtClean="0"/>
+              <a:t>&lt;/p&gt;</a:t>
+            </a:r>
+          </a:p>
+          <a:p>
+            <a:pPr marL="400050" lvl="1" indent="0">
+              <a:buNone/>
+            </a:pPr>
+            <a:r>
+              <a:rPr lang="en-US" sz="2000" dirty="0"/>
+              <a:t>Set background color for two different elements:</a:t>
+            </a:r>
+          </a:p>
+          <a:p>
+            <a:endParaRPr lang="en-US" sz="2400" b="1" dirty="0" smtClean="0"/>
+          </a:p>
+          <a:p>
+            <a:r>
+              <a:rPr lang="en-US" sz="2400" b="1" dirty="0" smtClean="0"/>
+              <a:t>Text </a:t>
+            </a:r>
+            <a:r>
+              <a:rPr lang="en-US" sz="2400" b="1" dirty="0"/>
+              <a:t>Color</a:t>
+            </a:r>
+          </a:p>
+          <a:p>
+            <a:pPr marL="457200" lvl="1" indent="0">
+              <a:buNone/>
+            </a:pPr>
+            <a:r>
+              <a:rPr lang="en-US" sz="2000" dirty="0"/>
+              <a:t>&lt;h1 style="</a:t>
+            </a:r>
+            <a:r>
+              <a:rPr lang="en-US" sz="2000" dirty="0" err="1">
+                <a:solidFill>
+                  <a:srgbClr val="0070C0"/>
+                </a:solidFill>
+              </a:rPr>
+              <a:t>color:blue</a:t>
+            </a:r>
+            <a:r>
+              <a:rPr lang="en-US" sz="2000" dirty="0">
+                <a:solidFill>
+                  <a:srgbClr val="0070C0"/>
+                </a:solidFill>
+              </a:rPr>
+              <a:t>;</a:t>
+            </a:r>
+            <a:r>
+              <a:rPr lang="en-US" sz="2000" dirty="0"/>
+              <a:t>"&gt;This is a heading&lt;/h1&gt;</a:t>
+            </a:r>
+            <a:r>
+              <a:rPr lang="en-US" sz="2000" dirty="0"/>
+              <a:t/>
+            </a:r>
+            <a:br>
+              <a:rPr lang="en-US" sz="2000" dirty="0"/>
+            </a:br>
+            <a:r>
+              <a:rPr lang="en-US" sz="2000" dirty="0"/>
+              <a:t>&lt;p style="</a:t>
+            </a:r>
+            <a:r>
+              <a:rPr lang="en-US" sz="2000" dirty="0" err="1">
+                <a:solidFill>
+                  <a:srgbClr val="0070C0"/>
+                </a:solidFill>
+              </a:rPr>
+              <a:t>color:red</a:t>
+            </a:r>
+            <a:r>
+              <a:rPr lang="en-US" sz="2000" dirty="0">
+                <a:solidFill>
+                  <a:srgbClr val="0070C0"/>
+                </a:solidFill>
+              </a:rPr>
+              <a:t>;</a:t>
+            </a:r>
+            <a:r>
+              <a:rPr lang="en-US" sz="2000" dirty="0"/>
+              <a:t>"&gt;This is a paragraph.&lt;/p</a:t>
+            </a:r>
+            <a:r>
+              <a:rPr lang="en-US" sz="2000" dirty="0" smtClean="0"/>
+              <a:t>&gt;</a:t>
+            </a:r>
+          </a:p>
+          <a:p>
+            <a:endParaRPr lang="en-US" sz="2400" b="1" dirty="0" smtClean="0"/>
+          </a:p>
+          <a:p>
+            <a:r>
+              <a:rPr lang="en-US" sz="2400" b="1" dirty="0" smtClean="0"/>
+              <a:t>Fonts</a:t>
+            </a:r>
+            <a:endParaRPr lang="en-US" sz="2400" b="1" dirty="0"/>
+          </a:p>
+          <a:p>
+            <a:pPr marL="457200" lvl="1" indent="0">
+              <a:buNone/>
+            </a:pPr>
+            <a:r>
+              <a:rPr lang="en-US" sz="2000" dirty="0"/>
+              <a:t>&lt;h1 style="</a:t>
+            </a:r>
+            <a:r>
+              <a:rPr lang="en-US" sz="2000" dirty="0" err="1">
+                <a:solidFill>
+                  <a:srgbClr val="0070C0"/>
+                </a:solidFill>
+              </a:rPr>
+              <a:t>font-family:verdana</a:t>
+            </a:r>
+            <a:r>
+              <a:rPr lang="en-US" sz="2000" dirty="0"/>
+              <a:t>;"&gt;This is a heading&lt;/h1&gt;</a:t>
+            </a:r>
+            <a:r>
+              <a:rPr lang="en-US" sz="2000" dirty="0"/>
+              <a:t/>
+            </a:r>
+            <a:br>
+              <a:rPr lang="en-US" sz="2000" dirty="0"/>
+            </a:br>
+            <a:r>
+              <a:rPr lang="en-US" sz="2000" dirty="0"/>
+              <a:t>&lt;p style="</a:t>
+            </a:r>
+            <a:r>
+              <a:rPr lang="en-US" sz="2000" dirty="0" err="1">
+                <a:solidFill>
+                  <a:srgbClr val="0070C0"/>
+                </a:solidFill>
+              </a:rPr>
+              <a:t>font-family:courier</a:t>
+            </a:r>
+            <a:r>
+              <a:rPr lang="en-US" sz="2000" dirty="0"/>
+              <a:t>;"&gt;This is a paragraph.&lt;/p</a:t>
+            </a:r>
+            <a:r>
+              <a:rPr lang="en-US" sz="2000" dirty="0" smtClean="0"/>
+              <a:t>&gt;</a:t>
+            </a:r>
+          </a:p>
+          <a:p>
+            <a:endParaRPr lang="en-US" sz="2400" dirty="0"/>
+          </a:p>
+        </p:txBody>
+      </p:sp>
+      <p:sp>
+        <p:nvSpPr>
+          <p:cNvPr id="4" name="Date Placeholder 3"/>
+          <p:cNvSpPr>
+            <a:spLocks noGrp="1"/>
+          </p:cNvSpPr>
+          <p:nvPr>
+            <p:ph type="dt" sz="half" idx="10"/>
+          </p:nvPr>
+        </p:nvSpPr>
+        <p:spPr/>
+        <p:txBody>
+          <a:bodyPr/>
+          <a:lstStyle/>
+          <a:p>
+            <a:pPr>
+              <a:defRPr/>
+            </a:pPr>
+            <a:fld id="{0DB64D86-418B-43E8-B677-73A34D214A7C}" type="datetime2">
+              <a:rPr lang="en-US" smtClean="0"/>
+              <a:pPr>
+                <a:defRPr/>
+              </a:pPr>
+              <a:t>Tuesday, June 16, 2020</a:t>
+            </a:fld>
+            <a:endParaRPr lang="en-US" dirty="0"/>
+          </a:p>
+        </p:txBody>
+      </p:sp>
+      <p:sp>
+        <p:nvSpPr>
+          <p:cNvPr id="5" name="Footer Placeholder 4"/>
+          <p:cNvSpPr>
+            <a:spLocks noGrp="1"/>
+          </p:cNvSpPr>
+          <p:nvPr>
+            <p:ph type="ftr" sz="quarter" idx="11"/>
+          </p:nvPr>
+        </p:nvSpPr>
+        <p:spPr/>
+        <p:txBody>
+          <a:bodyPr/>
+          <a:lstStyle/>
+          <a:p>
+            <a:pPr>
+              <a:defRPr/>
+            </a:pPr>
+            <a:r>
+              <a:rPr lang="en-US" smtClean="0"/>
+              <a:t>KLEF, Dept. of BES-1  Course : Problem Solving &amp; Computer Programming</a:t>
+            </a:r>
+            <a:endParaRPr lang="en-US" dirty="0"/>
+          </a:p>
+        </p:txBody>
+      </p:sp>
+    </p:spTree>
+    <p:extLst>
+      <p:ext uri="{BB962C8B-B14F-4D97-AF65-F5344CB8AC3E}">
+        <p14:creationId xmlns:p14="http://schemas.microsoft.com/office/powerpoint/2010/main" val="564130039"/>
+      </p:ext>
+    </p:extLst>
+  </p:cSld>
+  <p:clrMapOvr>
+    <a:masterClrMapping/>
+  </p:clrMapOvr>
+  <p:timing>
+    <p:tnLst>
+      <p:par>
+        <p:cTn id="1" dur="indefinite" restart="never" nodeType="tmRoot"/>
+      </p:par>
+    </p:tnLst>
+  </p:timing>
+</p:sld>
+</file>
+
+<file path=ppt/slides/slide12.xml><?xml version="1.0" encoding="utf-8"?>
+<p:sld xmlns:a="http://schemas.openxmlformats.org/drawingml/2006/main" xmlns:r="http://schemas.openxmlformats.org/officeDocument/2006/relationships" xmlns:p="http://schemas.openxmlformats.org/presentationml/2006/main">
+  <p:cSld>
+    <p:spTree>
+      <p:nvGrpSpPr>
+        <p:cNvPr id="1" name=""/>
+        <p:cNvGrpSpPr/>
+        <p:nvPr/>
+      </p:nvGrpSpPr>
+      <p:grpSpPr>
+        <a:xfrm>
+          <a:off x="0" y="0"/>
+          <a:ext cx="0" cy="0"/>
+          <a:chOff x="0" y="0"/>
+          <a:chExt cx="0" cy="0"/>
+        </a:xfrm>
+      </p:grpSpPr>
+      <p:sp>
+        <p:nvSpPr>
+          <p:cNvPr id="2" name="Title 1"/>
+          <p:cNvSpPr>
+            <a:spLocks noGrp="1"/>
+          </p:cNvSpPr>
+          <p:nvPr>
+            <p:ph type="title"/>
+          </p:nvPr>
+        </p:nvSpPr>
+        <p:spPr/>
+        <p:txBody>
+          <a:bodyPr/>
+          <a:lstStyle/>
+          <a:p>
+            <a:r>
+              <a:rPr lang="en-US" dirty="0"/>
+              <a:t>The </a:t>
+            </a:r>
+            <a:r>
+              <a:rPr lang="en-US" dirty="0" smtClean="0"/>
+              <a:t>Style Attribute (cont.)</a:t>
+            </a:r>
+            <a:endParaRPr lang="en-US" dirty="0"/>
+          </a:p>
+        </p:txBody>
+      </p:sp>
+      <p:sp>
+        <p:nvSpPr>
+          <p:cNvPr id="3" name="Content Placeholder 2"/>
+          <p:cNvSpPr>
+            <a:spLocks noGrp="1"/>
+          </p:cNvSpPr>
+          <p:nvPr>
+            <p:ph idx="1"/>
+          </p:nvPr>
+        </p:nvSpPr>
+        <p:spPr/>
+        <p:txBody>
+          <a:bodyPr/>
+          <a:lstStyle/>
+          <a:p>
+            <a:r>
+              <a:rPr lang="en-US" sz="2400" b="1" dirty="0"/>
+              <a:t>Text Size</a:t>
+            </a:r>
+          </a:p>
+          <a:p>
+            <a:pPr marL="457200" lvl="1" indent="0">
+              <a:buNone/>
+            </a:pPr>
+            <a:r>
+              <a:rPr lang="en-US" sz="2000" dirty="0"/>
+              <a:t>&lt;h1 style="</a:t>
+            </a:r>
+            <a:r>
+              <a:rPr lang="en-US" sz="2000" dirty="0">
+                <a:solidFill>
+                  <a:srgbClr val="0070C0"/>
+                </a:solidFill>
+              </a:rPr>
+              <a:t>font-size:300%</a:t>
+            </a:r>
+            <a:r>
+              <a:rPr lang="en-US" sz="2000" dirty="0"/>
+              <a:t>;"&gt;This is a heading&lt;/h1&gt;</a:t>
+            </a:r>
+            <a:br>
+              <a:rPr lang="en-US" sz="2000" dirty="0"/>
+            </a:br>
+            <a:r>
+              <a:rPr lang="en-US" sz="2000" dirty="0"/>
+              <a:t>&lt;p style="</a:t>
+            </a:r>
+            <a:r>
+              <a:rPr lang="en-US" sz="2000" dirty="0">
+                <a:solidFill>
+                  <a:srgbClr val="0070C0"/>
+                </a:solidFill>
+              </a:rPr>
+              <a:t>font-size:160%</a:t>
+            </a:r>
+            <a:r>
+              <a:rPr lang="en-US" sz="2000" dirty="0"/>
+              <a:t>;"&gt;This is a paragraph.&lt;/p&gt; </a:t>
+            </a:r>
+            <a:endParaRPr lang="en-US" sz="2000" dirty="0" smtClean="0"/>
+          </a:p>
+          <a:p>
+            <a:endParaRPr lang="en-US" sz="2400" dirty="0"/>
+          </a:p>
+          <a:p>
+            <a:r>
+              <a:rPr lang="en-US" sz="2400" b="1" dirty="0" smtClean="0"/>
+              <a:t>Text </a:t>
+            </a:r>
+            <a:r>
+              <a:rPr lang="en-US" sz="2400" b="1" dirty="0"/>
+              <a:t>Alignment</a:t>
+            </a:r>
+          </a:p>
+          <a:p>
+            <a:pPr marL="457200" lvl="1" indent="0">
+              <a:buNone/>
+            </a:pPr>
+            <a:r>
+              <a:rPr lang="en-US" sz="2000" dirty="0"/>
+              <a:t>&lt;h1 style="</a:t>
+            </a:r>
+            <a:r>
+              <a:rPr lang="en-US" sz="2000" dirty="0" err="1">
+                <a:solidFill>
+                  <a:srgbClr val="0070C0"/>
+                </a:solidFill>
+              </a:rPr>
+              <a:t>text-align:center</a:t>
+            </a:r>
+            <a:r>
+              <a:rPr lang="en-US" sz="2000" dirty="0">
+                <a:solidFill>
+                  <a:srgbClr val="0070C0"/>
+                </a:solidFill>
+              </a:rPr>
+              <a:t>;</a:t>
+            </a:r>
+            <a:r>
+              <a:rPr lang="en-US" sz="2000" dirty="0"/>
+              <a:t>"&gt;Centered Heading&lt;/h1&gt;</a:t>
+            </a:r>
+            <a:r>
+              <a:rPr lang="en-US" sz="2000" dirty="0"/>
+              <a:t/>
+            </a:r>
+            <a:br>
+              <a:rPr lang="en-US" sz="2000" dirty="0"/>
+            </a:br>
+            <a:r>
+              <a:rPr lang="en-US" sz="2000" dirty="0"/>
+              <a:t>&lt;p style="</a:t>
+            </a:r>
+            <a:r>
+              <a:rPr lang="en-US" sz="2000" dirty="0" err="1">
+                <a:solidFill>
+                  <a:srgbClr val="0070C0"/>
+                </a:solidFill>
+              </a:rPr>
+              <a:t>text-align:center</a:t>
+            </a:r>
+            <a:r>
+              <a:rPr lang="en-US" sz="2000" dirty="0">
+                <a:solidFill>
+                  <a:srgbClr val="0070C0"/>
+                </a:solidFill>
+              </a:rPr>
+              <a:t>;</a:t>
+            </a:r>
+            <a:r>
+              <a:rPr lang="en-US" sz="2000" dirty="0"/>
+              <a:t>"&gt;Centered paragraph.&lt;/p</a:t>
+            </a:r>
+            <a:r>
+              <a:rPr lang="en-US" sz="2000" dirty="0" smtClean="0"/>
+              <a:t>&gt;</a:t>
+            </a:r>
+          </a:p>
+          <a:p>
+            <a:endParaRPr lang="en-US" sz="2400" dirty="0"/>
+          </a:p>
+        </p:txBody>
+      </p:sp>
+      <p:sp>
+        <p:nvSpPr>
+          <p:cNvPr id="4" name="Date Placeholder 3"/>
+          <p:cNvSpPr>
+            <a:spLocks noGrp="1"/>
+          </p:cNvSpPr>
+          <p:nvPr>
+            <p:ph type="dt" sz="half" idx="10"/>
+          </p:nvPr>
+        </p:nvSpPr>
+        <p:spPr/>
+        <p:txBody>
+          <a:bodyPr/>
+          <a:lstStyle/>
+          <a:p>
+            <a:pPr>
+              <a:defRPr/>
+            </a:pPr>
+            <a:fld id="{0DB64D86-418B-43E8-B677-73A34D214A7C}" type="datetime2">
+              <a:rPr lang="en-US" smtClean="0"/>
+              <a:pPr>
+                <a:defRPr/>
+              </a:pPr>
+              <a:t>Tuesday, June 16, 2020</a:t>
+            </a:fld>
+            <a:endParaRPr lang="en-US" dirty="0"/>
+          </a:p>
+        </p:txBody>
+      </p:sp>
+      <p:sp>
+        <p:nvSpPr>
+          <p:cNvPr id="5" name="Footer Placeholder 4"/>
+          <p:cNvSpPr>
+            <a:spLocks noGrp="1"/>
+          </p:cNvSpPr>
+          <p:nvPr>
+            <p:ph type="ftr" sz="quarter" idx="11"/>
+          </p:nvPr>
+        </p:nvSpPr>
+        <p:spPr/>
+        <p:txBody>
+          <a:bodyPr/>
+          <a:lstStyle/>
+          <a:p>
+            <a:pPr>
+              <a:defRPr/>
+            </a:pPr>
+            <a:r>
+              <a:rPr lang="en-US" smtClean="0"/>
+              <a:t>KLEF, Dept. of BES-1  Course : Problem Solving &amp; Computer Programming</a:t>
+            </a:r>
+            <a:endParaRPr lang="en-US" dirty="0"/>
+          </a:p>
+        </p:txBody>
+      </p:sp>
+    </p:spTree>
+    <p:extLst>
+      <p:ext uri="{BB962C8B-B14F-4D97-AF65-F5344CB8AC3E}">
+        <p14:creationId xmlns:p14="http://schemas.microsoft.com/office/powerpoint/2010/main" val="1470885356"/>
+      </p:ext>
+    </p:extLst>
+  </p:cSld>
+  <p:clrMapOvr>
+    <a:masterClrMapping/>
+  </p:clrMapOvr>
+</p:sld>
+</file>
+
+<file path=ppt/slides/slide13.xml><?xml version="1.0" encoding="utf-8"?>
+<p:sld xmlns:a="http://schemas.openxmlformats.org/drawingml/2006/main" xmlns:r="http://schemas.openxmlformats.org/officeDocument/2006/relationships" xmlns:p="http://schemas.openxmlformats.org/presentationml/2006/main">
+  <p:cSld>
+    <p:spTree>
+      <p:nvGrpSpPr>
+        <p:cNvPr id="1" name=""/>
+        <p:cNvGrpSpPr/>
+        <p:nvPr/>
+      </p:nvGrpSpPr>
+      <p:grpSpPr>
+        <a:xfrm>
+          <a:off x="0" y="0"/>
+          <a:ext cx="0" cy="0"/>
+          <a:chOff x="0" y="0"/>
+          <a:chExt cx="0" cy="0"/>
+        </a:xfrm>
+      </p:grpSpPr>
+      <p:sp>
+        <p:nvSpPr>
+          <p:cNvPr id="2" name="Title 1"/>
+          <p:cNvSpPr>
+            <a:spLocks noGrp="1"/>
+          </p:cNvSpPr>
+          <p:nvPr>
+            <p:ph type="title"/>
+          </p:nvPr>
+        </p:nvSpPr>
+        <p:spPr/>
+        <p:txBody>
+          <a:bodyPr/>
+          <a:lstStyle/>
+          <a:p>
+            <a:r>
+              <a:rPr lang="en-US" dirty="0" smtClean="0"/>
+              <a:t>Style Summary</a:t>
+            </a:r>
+            <a:endParaRPr lang="en-US" dirty="0"/>
+          </a:p>
+        </p:txBody>
+      </p:sp>
+      <p:sp>
+        <p:nvSpPr>
+          <p:cNvPr id="3" name="Content Placeholder 2"/>
+          <p:cNvSpPr>
+            <a:spLocks noGrp="1"/>
+          </p:cNvSpPr>
+          <p:nvPr>
+            <p:ph idx="1"/>
+          </p:nvPr>
+        </p:nvSpPr>
+        <p:spPr/>
+        <p:txBody>
+          <a:bodyPr/>
+          <a:lstStyle/>
+          <a:p>
+            <a:r>
+              <a:rPr lang="en-US" dirty="0"/>
+              <a:t>Use the </a:t>
+            </a:r>
+            <a:r>
+              <a:rPr lang="en-US" dirty="0">
+                <a:solidFill>
+                  <a:srgbClr val="0070C0"/>
+                </a:solidFill>
+              </a:rPr>
+              <a:t>style attribute </a:t>
+            </a:r>
+            <a:r>
+              <a:rPr lang="en-US" dirty="0"/>
+              <a:t>for styling HTML elements</a:t>
+            </a:r>
+          </a:p>
+          <a:p>
+            <a:r>
+              <a:rPr lang="en-US" dirty="0"/>
+              <a:t>Use </a:t>
+            </a:r>
+            <a:r>
+              <a:rPr lang="en-US" dirty="0">
+                <a:solidFill>
+                  <a:srgbClr val="0070C0"/>
+                </a:solidFill>
+              </a:rPr>
+              <a:t>background-color</a:t>
+            </a:r>
+            <a:r>
+              <a:rPr lang="en-US" dirty="0"/>
+              <a:t> for background color</a:t>
+            </a:r>
+          </a:p>
+          <a:p>
+            <a:r>
+              <a:rPr lang="en-US" dirty="0"/>
+              <a:t>Use </a:t>
+            </a:r>
+            <a:r>
+              <a:rPr lang="en-US" dirty="0">
+                <a:solidFill>
+                  <a:srgbClr val="0070C0"/>
+                </a:solidFill>
+              </a:rPr>
+              <a:t>color</a:t>
+            </a:r>
+            <a:r>
+              <a:rPr lang="en-US" dirty="0"/>
+              <a:t> for text colors</a:t>
+            </a:r>
+          </a:p>
+          <a:p>
+            <a:r>
+              <a:rPr lang="en-US" dirty="0"/>
+              <a:t>Use </a:t>
+            </a:r>
+            <a:r>
+              <a:rPr lang="en-US" dirty="0">
+                <a:solidFill>
+                  <a:srgbClr val="0070C0"/>
+                </a:solidFill>
+              </a:rPr>
+              <a:t>font-family </a:t>
+            </a:r>
+            <a:r>
+              <a:rPr lang="en-US" dirty="0"/>
+              <a:t>for text fonts</a:t>
+            </a:r>
+          </a:p>
+          <a:p>
+            <a:r>
+              <a:rPr lang="en-US" dirty="0"/>
+              <a:t>Use </a:t>
+            </a:r>
+            <a:r>
+              <a:rPr lang="en-US" dirty="0">
+                <a:solidFill>
+                  <a:srgbClr val="0070C0"/>
+                </a:solidFill>
+              </a:rPr>
+              <a:t>font-size </a:t>
+            </a:r>
+            <a:r>
+              <a:rPr lang="en-US" dirty="0"/>
+              <a:t>for text sizes</a:t>
+            </a:r>
+          </a:p>
+          <a:p>
+            <a:r>
+              <a:rPr lang="en-US" dirty="0"/>
+              <a:t>Use </a:t>
+            </a:r>
+            <a:r>
+              <a:rPr lang="en-US" dirty="0">
+                <a:solidFill>
+                  <a:srgbClr val="0070C0"/>
+                </a:solidFill>
+              </a:rPr>
+              <a:t>text-align</a:t>
+            </a:r>
+            <a:r>
+              <a:rPr lang="en-US" dirty="0"/>
+              <a:t> for text alignment</a:t>
+            </a:r>
+          </a:p>
+          <a:p>
+            <a:endParaRPr lang="en-US" dirty="0"/>
+          </a:p>
+        </p:txBody>
+      </p:sp>
+      <p:sp>
+        <p:nvSpPr>
+          <p:cNvPr id="4" name="Date Placeholder 3"/>
+          <p:cNvSpPr>
+            <a:spLocks noGrp="1"/>
+          </p:cNvSpPr>
+          <p:nvPr>
+            <p:ph type="dt" sz="half" idx="10"/>
+          </p:nvPr>
+        </p:nvSpPr>
+        <p:spPr/>
+        <p:txBody>
+          <a:bodyPr/>
+          <a:lstStyle/>
+          <a:p>
+            <a:pPr>
+              <a:defRPr/>
+            </a:pPr>
+            <a:fld id="{0DB64D86-418B-43E8-B677-73A34D214A7C}" type="datetime2">
+              <a:rPr lang="en-US" smtClean="0"/>
+              <a:pPr>
+                <a:defRPr/>
+              </a:pPr>
+              <a:t>Tuesday, June 16, 2020</a:t>
+            </a:fld>
+            <a:endParaRPr lang="en-US" dirty="0"/>
+          </a:p>
+        </p:txBody>
+      </p:sp>
+      <p:sp>
+        <p:nvSpPr>
+          <p:cNvPr id="5" name="Footer Placeholder 4"/>
+          <p:cNvSpPr>
+            <a:spLocks noGrp="1"/>
+          </p:cNvSpPr>
+          <p:nvPr>
+            <p:ph type="ftr" sz="quarter" idx="11"/>
+          </p:nvPr>
+        </p:nvSpPr>
+        <p:spPr/>
+        <p:txBody>
+          <a:bodyPr/>
+          <a:lstStyle/>
+          <a:p>
+            <a:pPr>
+              <a:defRPr/>
+            </a:pPr>
+            <a:r>
+              <a:rPr lang="en-US" smtClean="0"/>
+              <a:t>KLEF, Dept. of BES-1  Course : Problem Solving &amp; Computer Programming</a:t>
+            </a:r>
+            <a:endParaRPr lang="en-US" dirty="0"/>
+          </a:p>
+        </p:txBody>
+      </p:sp>
+    </p:spTree>
+    <p:extLst>
+      <p:ext uri="{BB962C8B-B14F-4D97-AF65-F5344CB8AC3E}">
+        <p14:creationId xmlns:p14="http://schemas.microsoft.com/office/powerpoint/2010/main" val="203599780"/>
+      </p:ext>
+    </p:extLst>
+  </p:cSld>
+  <p:clrMapOvr>
+    <a:masterClrMapping/>
+  </p:clrMapOvr>
+</p:sld>
+</file>
+
+<file path=ppt/slides/slide14.xml><?xml version="1.0" encoding="utf-8"?>
+<p:sld xmlns:a="http://schemas.openxmlformats.org/drawingml/2006/main" xmlns:r="http://schemas.openxmlformats.org/officeDocument/2006/relationships" xmlns:p="http://schemas.openxmlformats.org/presentationml/2006/main">
+  <p:cSld>
+    <p:spTree>
+      <p:nvGrpSpPr>
+        <p:cNvPr id="1" name=""/>
+        <p:cNvGrpSpPr/>
+        <p:nvPr/>
+      </p:nvGrpSpPr>
+      <p:grpSpPr>
+        <a:xfrm>
+          <a:off x="0" y="0"/>
+          <a:ext cx="0" cy="0"/>
+          <a:chOff x="0" y="0"/>
+          <a:chExt cx="0" cy="0"/>
+        </a:xfrm>
+      </p:grpSpPr>
+      <p:sp>
+        <p:nvSpPr>
+          <p:cNvPr id="2" name="Title 1"/>
+          <p:cNvSpPr>
+            <a:spLocks noGrp="1"/>
+          </p:cNvSpPr>
+          <p:nvPr>
+            <p:ph type="title"/>
+          </p:nvPr>
+        </p:nvSpPr>
+        <p:spPr/>
+        <p:txBody>
+          <a:bodyPr/>
+          <a:lstStyle/>
+          <a:p>
+            <a:r>
+              <a:rPr lang="en-US" dirty="0" smtClean="0"/>
+              <a:t>List and Table</a:t>
+            </a:r>
+            <a:endParaRPr lang="en-US" dirty="0"/>
+          </a:p>
+        </p:txBody>
+      </p:sp>
+      <p:sp>
+        <p:nvSpPr>
+          <p:cNvPr id="3" name="Content Placeholder 2"/>
+          <p:cNvSpPr>
+            <a:spLocks noGrp="1"/>
+          </p:cNvSpPr>
+          <p:nvPr>
+            <p:ph idx="1"/>
+          </p:nvPr>
+        </p:nvSpPr>
+        <p:spPr/>
+        <p:txBody>
+          <a:bodyPr/>
+          <a:lstStyle/>
+          <a:p>
+            <a:r>
+              <a:rPr lang="en-US" dirty="0" smtClean="0"/>
+              <a:t>Unordered List </a:t>
+            </a:r>
+          </a:p>
+          <a:p>
+            <a:r>
+              <a:rPr lang="en-US" dirty="0" smtClean="0"/>
+              <a:t>Ordered List</a:t>
+            </a:r>
+          </a:p>
+          <a:p>
+            <a:endParaRPr lang="en-US" dirty="0" smtClean="0"/>
+          </a:p>
+          <a:p>
+            <a:endParaRPr lang="en-US" dirty="0"/>
+          </a:p>
+        </p:txBody>
+      </p:sp>
+      <p:sp>
+        <p:nvSpPr>
+          <p:cNvPr id="4" name="Date Placeholder 3"/>
+          <p:cNvSpPr>
+            <a:spLocks noGrp="1"/>
+          </p:cNvSpPr>
+          <p:nvPr>
+            <p:ph type="dt" sz="half" idx="10"/>
+          </p:nvPr>
+        </p:nvSpPr>
+        <p:spPr/>
+        <p:txBody>
+          <a:bodyPr/>
+          <a:lstStyle/>
+          <a:p>
+            <a:pPr>
+              <a:defRPr/>
+            </a:pPr>
+            <a:fld id="{0DB64D86-418B-43E8-B677-73A34D214A7C}" type="datetime2">
+              <a:rPr lang="en-US" smtClean="0"/>
+              <a:pPr>
+                <a:defRPr/>
+              </a:pPr>
+              <a:t>Tuesday, June 16, 2020</a:t>
+            </a:fld>
+            <a:endParaRPr lang="en-US" dirty="0"/>
+          </a:p>
+        </p:txBody>
+      </p:sp>
+      <p:sp>
+        <p:nvSpPr>
+          <p:cNvPr id="5" name="Footer Placeholder 4"/>
+          <p:cNvSpPr>
+            <a:spLocks noGrp="1"/>
+          </p:cNvSpPr>
+          <p:nvPr>
+            <p:ph type="ftr" sz="quarter" idx="11"/>
+          </p:nvPr>
+        </p:nvSpPr>
+        <p:spPr/>
+        <p:txBody>
+          <a:bodyPr/>
+          <a:lstStyle/>
+          <a:p>
+            <a:pPr>
+              <a:defRPr/>
+            </a:pPr>
+            <a:r>
+              <a:rPr lang="en-US" smtClean="0"/>
+              <a:t>KLEF, Dept. of BES-1  Course : Problem Solving &amp; Computer Programming</a:t>
+            </a:r>
+            <a:endParaRPr lang="en-US" dirty="0"/>
+          </a:p>
+        </p:txBody>
+      </p:sp>
+    </p:spTree>
+    <p:extLst>
+      <p:ext uri="{BB962C8B-B14F-4D97-AF65-F5344CB8AC3E}">
+        <p14:creationId xmlns:p14="http://schemas.microsoft.com/office/powerpoint/2010/main" val="1490338999"/>
+      </p:ext>
+    </p:extLst>
+  </p:cSld>
+  <p:clrMapOvr>
+    <a:masterClrMapping/>
+  </p:clrMapOvr>
+</p:sld>
+</file>
+
+<file path=ppt/slides/slide15.xml><?xml version="1.0" encoding="utf-8"?>
+<p:sld xmlns:a="http://schemas.openxmlformats.org/drawingml/2006/main" xmlns:r="http://schemas.openxmlformats.org/officeDocument/2006/relationships" xmlns:p="http://schemas.openxmlformats.org/presentationml/2006/main">
+  <p:cSld>
+    <p:spTree>
+      <p:nvGrpSpPr>
+        <p:cNvPr id="1" name=""/>
+        <p:cNvGrpSpPr/>
+        <p:nvPr/>
+      </p:nvGrpSpPr>
+      <p:grpSpPr>
+        <a:xfrm>
+          <a:off x="0" y="0"/>
+          <a:ext cx="0" cy="0"/>
+          <a:chOff x="0" y="0"/>
+          <a:chExt cx="0" cy="0"/>
+        </a:xfrm>
+      </p:grpSpPr>
+      <p:sp>
+        <p:nvSpPr>
+          <p:cNvPr id="2" name="Title 1"/>
+          <p:cNvSpPr>
+            <a:spLocks noGrp="1"/>
+          </p:cNvSpPr>
+          <p:nvPr>
+            <p:ph type="title"/>
+          </p:nvPr>
+        </p:nvSpPr>
+        <p:spPr/>
+        <p:txBody>
+          <a:bodyPr/>
+          <a:lstStyle/>
+          <a:p>
+            <a:r>
+              <a:rPr lang="en-US" dirty="0" smtClean="0"/>
+              <a:t>Image in HTML</a:t>
+            </a:r>
+            <a:endParaRPr lang="en-US" dirty="0"/>
+          </a:p>
+        </p:txBody>
+      </p:sp>
+      <p:sp>
+        <p:nvSpPr>
+          <p:cNvPr id="3" name="Content Placeholder 2"/>
+          <p:cNvSpPr>
+            <a:spLocks noGrp="1"/>
+          </p:cNvSpPr>
+          <p:nvPr>
+            <p:ph idx="1"/>
+          </p:nvPr>
+        </p:nvSpPr>
+        <p:spPr/>
+        <p:txBody>
+          <a:bodyPr/>
+          <a:lstStyle/>
+          <a:p>
+            <a:endParaRPr lang="en-US"/>
+          </a:p>
+        </p:txBody>
+      </p:sp>
+      <p:sp>
+        <p:nvSpPr>
+          <p:cNvPr id="4" name="Date Placeholder 3"/>
+          <p:cNvSpPr>
+            <a:spLocks noGrp="1"/>
+          </p:cNvSpPr>
+          <p:nvPr>
+            <p:ph type="dt" sz="half" idx="10"/>
+          </p:nvPr>
+        </p:nvSpPr>
+        <p:spPr/>
+        <p:txBody>
+          <a:bodyPr/>
+          <a:lstStyle/>
+          <a:p>
+            <a:pPr>
+              <a:defRPr/>
+            </a:pPr>
+            <a:fld id="{0DB64D86-418B-43E8-B677-73A34D214A7C}" type="datetime2">
+              <a:rPr lang="en-US" smtClean="0"/>
+              <a:pPr>
+                <a:defRPr/>
+              </a:pPr>
+              <a:t>Tuesday, June 16, 2020</a:t>
+            </a:fld>
+            <a:endParaRPr lang="en-US" dirty="0"/>
+          </a:p>
+        </p:txBody>
+      </p:sp>
+      <p:sp>
+        <p:nvSpPr>
+          <p:cNvPr id="5" name="Footer Placeholder 4"/>
+          <p:cNvSpPr>
+            <a:spLocks noGrp="1"/>
+          </p:cNvSpPr>
+          <p:nvPr>
+            <p:ph type="ftr" sz="quarter" idx="11"/>
+          </p:nvPr>
+        </p:nvSpPr>
+        <p:spPr/>
+        <p:txBody>
+          <a:bodyPr/>
+          <a:lstStyle/>
+          <a:p>
+            <a:pPr>
+              <a:defRPr/>
+            </a:pPr>
+            <a:r>
+              <a:rPr lang="en-US" smtClean="0"/>
+              <a:t>KLEF, Dept. of BES-1  Course : Problem Solving &amp; Computer Programming</a:t>
+            </a:r>
+            <a:endParaRPr lang="en-US" dirty="0"/>
+          </a:p>
+        </p:txBody>
+      </p:sp>
+    </p:spTree>
+    <p:extLst>
+      <p:ext uri="{BB962C8B-B14F-4D97-AF65-F5344CB8AC3E}">
+        <p14:creationId xmlns:p14="http://schemas.microsoft.com/office/powerpoint/2010/main" val="49930866"/>
+      </p:ext>
+    </p:extLst>
+  </p:cSld>
+  <p:clrMapOvr>
+    <a:masterClrMapping/>
+  </p:clrMapOvr>
+</p:sld>
+</file>
+
+<file path=ppt/slides/slide16.xml><?xml version="1.0" encoding="utf-8"?>
+<p:sld xmlns:a="http://schemas.openxmlformats.org/drawingml/2006/main" xmlns:r="http://schemas.openxmlformats.org/officeDocument/2006/relationships" xmlns:p="http://schemas.openxmlformats.org/presentationml/2006/main">
+  <p:cSld>
+    <p:spTree>
+      <p:nvGrpSpPr>
+        <p:cNvPr id="1" name=""/>
+        <p:cNvGrpSpPr/>
+        <p:nvPr/>
+      </p:nvGrpSpPr>
+      <p:grpSpPr>
+        <a:xfrm>
+          <a:off x="0" y="0"/>
+          <a:ext cx="0" cy="0"/>
+          <a:chOff x="0" y="0"/>
+          <a:chExt cx="0" cy="0"/>
+        </a:xfrm>
+      </p:grpSpPr>
+      <p:sp>
+        <p:nvSpPr>
+          <p:cNvPr id="2" name="Title 1"/>
+          <p:cNvSpPr>
+            <a:spLocks noGrp="1"/>
+          </p:cNvSpPr>
+          <p:nvPr>
+            <p:ph type="title"/>
+          </p:nvPr>
+        </p:nvSpPr>
+        <p:spPr/>
+        <p:txBody>
+          <a:bodyPr/>
+          <a:lstStyle/>
+          <a:p>
+            <a:r>
+              <a:rPr lang="en-US" smtClean="0"/>
+              <a:t>Table in HTML</a:t>
+            </a:r>
+            <a:endParaRPr lang="en-US"/>
+          </a:p>
+        </p:txBody>
+      </p:sp>
+      <p:sp>
+        <p:nvSpPr>
+          <p:cNvPr id="3" name="Content Placeholder 2"/>
+          <p:cNvSpPr>
+            <a:spLocks noGrp="1"/>
+          </p:cNvSpPr>
+          <p:nvPr>
+            <p:ph idx="1"/>
+          </p:nvPr>
+        </p:nvSpPr>
+        <p:spPr/>
+        <p:txBody>
+          <a:bodyPr/>
+          <a:lstStyle/>
+          <a:p>
+            <a:endParaRPr lang="en-US"/>
+          </a:p>
+        </p:txBody>
+      </p:sp>
+      <p:sp>
+        <p:nvSpPr>
+          <p:cNvPr id="4" name="Date Placeholder 3"/>
+          <p:cNvSpPr>
+            <a:spLocks noGrp="1"/>
+          </p:cNvSpPr>
+          <p:nvPr>
+            <p:ph type="dt" sz="half" idx="10"/>
+          </p:nvPr>
+        </p:nvSpPr>
+        <p:spPr/>
+        <p:txBody>
+          <a:bodyPr/>
+          <a:lstStyle/>
+          <a:p>
+            <a:pPr>
+              <a:defRPr/>
+            </a:pPr>
+            <a:fld id="{0DB64D86-418B-43E8-B677-73A34D214A7C}" type="datetime2">
+              <a:rPr lang="en-US" smtClean="0"/>
+              <a:pPr>
+                <a:defRPr/>
+              </a:pPr>
+              <a:t>Tuesday, June 16, 2020</a:t>
+            </a:fld>
+            <a:endParaRPr lang="en-US" dirty="0"/>
+          </a:p>
+        </p:txBody>
+      </p:sp>
+      <p:sp>
+        <p:nvSpPr>
+          <p:cNvPr id="5" name="Footer Placeholder 4"/>
+          <p:cNvSpPr>
+            <a:spLocks noGrp="1"/>
+          </p:cNvSpPr>
+          <p:nvPr>
+            <p:ph type="ftr" sz="quarter" idx="11"/>
+          </p:nvPr>
+        </p:nvSpPr>
+        <p:spPr/>
+        <p:txBody>
+          <a:bodyPr/>
+          <a:lstStyle/>
+          <a:p>
+            <a:pPr>
+              <a:defRPr/>
+            </a:pPr>
+            <a:r>
+              <a:rPr lang="en-US" smtClean="0"/>
+              <a:t>KLEF, Dept. of BES-1  Course : Problem Solving &amp; Computer Programming</a:t>
+            </a:r>
+            <a:endParaRPr lang="en-US" dirty="0"/>
+          </a:p>
+        </p:txBody>
+      </p:sp>
+    </p:spTree>
+    <p:extLst>
+      <p:ext uri="{BB962C8B-B14F-4D97-AF65-F5344CB8AC3E}">
+        <p14:creationId xmlns:p14="http://schemas.microsoft.com/office/powerpoint/2010/main" val="1250390348"/>
+      </p:ext>
+    </p:extLst>
+  </p:cSld>
+  <p:clrMapOvr>
+    <a:masterClrMapping/>
+  </p:clrMapOvr>
+</p:sld>
+</file>
+
+<file path=ppt/slides/slide17.xml><?xml version="1.0" encoding="utf-8"?>
+<p:sld xmlns:a="http://schemas.openxmlformats.org/drawingml/2006/main" xmlns:r="http://schemas.openxmlformats.org/officeDocument/2006/relationships" xmlns:p="http://schemas.openxmlformats.org/presentationml/2006/main">
+  <p:cSld>
+    <p:spTree>
+      <p:nvGrpSpPr>
+        <p:cNvPr id="1" name=""/>
+        <p:cNvGrpSpPr/>
+        <p:nvPr/>
+      </p:nvGrpSpPr>
+      <p:grpSpPr>
+        <a:xfrm>
+          <a:off x="0" y="0"/>
+          <a:ext cx="0" cy="0"/>
+          <a:chOff x="0" y="0"/>
+          <a:chExt cx="0" cy="0"/>
+        </a:xfrm>
+      </p:grpSpPr>
+      <p:sp>
+        <p:nvSpPr>
+          <p:cNvPr id="2" name="Title 1"/>
+          <p:cNvSpPr>
+            <a:spLocks noGrp="1"/>
+          </p:cNvSpPr>
+          <p:nvPr>
+            <p:ph type="title"/>
+          </p:nvPr>
+        </p:nvSpPr>
+        <p:spPr>
+          <a:xfrm>
+            <a:off x="520700" y="2684462"/>
+            <a:ext cx="7391400" cy="655638"/>
+          </a:xfrm>
+        </p:spPr>
+        <p:txBody>
+          <a:bodyPr/>
+          <a:lstStyle/>
+          <a:p>
+            <a:r>
+              <a:rPr lang="en-US" dirty="0" smtClean="0"/>
+              <a:t>Thank you</a:t>
             </a:r>
             <a:endParaRPr lang="en-US" dirty="0"/>
           </a:p>
@@ -4378,88 +6017,6 @@
           <a:lstStyle/>
           <a:p>
             <a:r>
-              <a:rPr lang="en-US" dirty="0" err="1" smtClean="0">
-                <a:solidFill>
-                  <a:schemeClr val="accent1"/>
-                </a:solidFill>
-                <a:latin typeface="Times New Roman" pitchFamily="18" charset="0"/>
-                <a:cs typeface="Times New Roman" pitchFamily="18" charset="0"/>
-              </a:rPr>
-              <a:t>index.html</a:t>
-            </a:r>
-            <a:r>
-              <a:rPr lang="en-US" dirty="0" smtClean="0">
-                <a:solidFill>
-                  <a:schemeClr val="accent1"/>
-                </a:solidFill>
-                <a:latin typeface="Times New Roman" pitchFamily="18" charset="0"/>
-                <a:cs typeface="Times New Roman" pitchFamily="18" charset="0"/>
-              </a:rPr>
-              <a:t>, </a:t>
-            </a:r>
-            <a:r>
-              <a:rPr lang="en-US" dirty="0" err="1" smtClean="0">
-                <a:solidFill>
-                  <a:schemeClr val="accent1"/>
-                </a:solidFill>
-                <a:latin typeface="Times New Roman" pitchFamily="18" charset="0"/>
-                <a:cs typeface="Times New Roman" pitchFamily="18" charset="0"/>
-              </a:rPr>
-              <a:t>htm</a:t>
-            </a:r>
-            <a:r>
-              <a:rPr lang="en-US" dirty="0" smtClean="0">
-                <a:solidFill>
-                  <a:schemeClr val="accent1"/>
-                </a:solidFill>
-                <a:latin typeface="Times New Roman" pitchFamily="18" charset="0"/>
-                <a:cs typeface="Times New Roman" pitchFamily="18" charset="0"/>
-              </a:rPr>
-              <a:t>, </a:t>
-            </a:r>
-            <a:r>
-              <a:rPr lang="en-US" dirty="0" err="1" smtClean="0">
-                <a:solidFill>
-                  <a:schemeClr val="accent1"/>
-                </a:solidFill>
-                <a:latin typeface="Times New Roman" pitchFamily="18" charset="0"/>
-                <a:cs typeface="Times New Roman" pitchFamily="18" charset="0"/>
-              </a:rPr>
-              <a:t>home.html</a:t>
-            </a:r>
-            <a:r>
-              <a:rPr lang="en-US" dirty="0" smtClean="0">
-                <a:solidFill>
-                  <a:schemeClr val="accent1"/>
-                </a:solidFill>
-                <a:latin typeface="Times New Roman" pitchFamily="18" charset="0"/>
-                <a:cs typeface="Times New Roman" pitchFamily="18" charset="0"/>
-              </a:rPr>
-              <a:t>, </a:t>
-            </a:r>
-            <a:r>
-              <a:rPr lang="en-US" dirty="0" err="1" smtClean="0">
-                <a:solidFill>
-                  <a:schemeClr val="accent1"/>
-                </a:solidFill>
-                <a:latin typeface="Times New Roman" pitchFamily="18" charset="0"/>
-                <a:cs typeface="Times New Roman" pitchFamily="18" charset="0"/>
-              </a:rPr>
-              <a:t>default.html</a:t>
-            </a:r>
-            <a:r>
-              <a:rPr lang="en-US" dirty="0" smtClean="0">
-                <a:solidFill>
-                  <a:schemeClr val="accent1"/>
-                </a:solidFill>
-                <a:latin typeface="Times New Roman" pitchFamily="18" charset="0"/>
-                <a:cs typeface="Times New Roman" pitchFamily="18" charset="0"/>
-              </a:rPr>
-              <a:t> etc.</a:t>
-            </a:r>
-          </a:p>
-          <a:p>
-            <a:r>
               <a:rPr lang="en-US" dirty="0" smtClean="0">
                 <a:solidFill>
                   <a:schemeClr val="accent1"/>
@@ -4503,7 +6060,7 @@
                 <a:latin typeface="Times New Roman" pitchFamily="18" charset="0"/>
                 <a:cs typeface="Times New Roman" pitchFamily="18" charset="0"/>
               </a:rPr>
-              <a:t>Heading and Paragraph</a:t>
+              <a:t>Basic HTML elements</a:t>
             </a:r>
           </a:p>
           <a:p>
@@ -4515,8 +6072,41 @@
                 <a:latin typeface="Times New Roman" pitchFamily="18" charset="0"/>
                 <a:cs typeface="Times New Roman" pitchFamily="18" charset="0"/>
               </a:rPr>
-              <a:t>Line break and HTML tags </a:t>
-            </a:r>
+              <a:t>HTML element with Attributes</a:t>
+            </a:r>
+          </a:p>
+          <a:p>
+            <a:r>
+              <a:rPr lang="en-US" dirty="0" smtClean="0">
+                <a:solidFill>
+                  <a:schemeClr val="accent1"/>
+                </a:solidFill>
+                <a:latin typeface="Times New Roman" pitchFamily="18" charset="0"/>
+                <a:cs typeface="Times New Roman" pitchFamily="18" charset="0"/>
+              </a:rPr>
+              <a:t>Line break (vertical and horizontal) and HTML tags </a:t>
+            </a:r>
+          </a:p>
+          <a:p>
+            <a:r>
+              <a:rPr lang="en-US" dirty="0" smtClean="0">
+                <a:solidFill>
+                  <a:schemeClr val="accent1"/>
+                </a:solidFill>
+                <a:latin typeface="Times New Roman" pitchFamily="18" charset="0"/>
+                <a:cs typeface="Times New Roman" pitchFamily="18" charset="0"/>
+              </a:rPr>
+              <a:t>Style Attribute</a:t>
+            </a:r>
+          </a:p>
+          <a:p>
+            <a:endParaRPr lang="en-US" dirty="0" smtClean="0">
+              <a:solidFill>
+                <a:schemeClr val="accent1"/>
+              </a:solidFill>
+              <a:latin typeface="Times New Roman" pitchFamily="18" charset="0"/>
+              <a:cs typeface="Times New Roman" pitchFamily="18" charset="0"/>
+            </a:endParaRPr>
           </a:p>
           <a:p>
             <a:pPr>
@@ -4640,24 +6230,8 @@
           <a:lstStyle/>
           <a:p>
             <a:r>
-              <a:rPr lang="en-US" dirty="0" err="1" smtClean="0"/>
-              <a:t>Index.html</a:t>
-            </a:r>
-            <a:r>
               <a:rPr lang="en-US" dirty="0" smtClean="0"/>
-              <a:t>, </a:t>
-            </a:r>
-            <a:r>
-              <a:rPr lang="en-US" dirty="0" err="1" smtClean="0"/>
-              <a:t>home.html</a:t>
-            </a:r>
-            <a:r>
-              <a:rPr lang="en-US" dirty="0" smtClean="0"/>
-              <a:t>, </a:t>
-            </a:r>
-            <a:r>
-              <a:rPr lang="en-US" dirty="0" err="1" smtClean="0"/>
-              <a:t>index.htm</a:t>
+              <a:t>HTML Document</a:t>
             </a:r>
             <a:endParaRPr lang="en-US" dirty="0"/>
           </a:p>
@@ -4678,7 +6252,125 @@
           <a:bodyPr/>
           <a:lstStyle/>
           <a:p>
-            <a:endParaRPr lang="en-US"/>
+            <a:r>
+              <a:rPr lang="en-US" sz="2400" dirty="0"/>
+              <a:t>Nested HTML Elements</a:t>
+            </a:r>
+          </a:p>
+          <a:p>
+            <a:endParaRPr lang="en-US" sz="2400" dirty="0" smtClean="0"/>
+          </a:p>
+          <a:p>
+            <a:r>
+              <a:rPr lang="en-US" sz="2400" dirty="0" smtClean="0"/>
+              <a:t>The</a:t>
+            </a:r>
+            <a:r>
+              <a:rPr lang="en-US" sz="2400" dirty="0"/>
+              <a:t> </a:t>
+            </a:r>
+            <a:r>
+              <a:rPr lang="en-US" sz="2400" dirty="0">
+                <a:solidFill>
+                  <a:srgbClr val="0070C0"/>
+                </a:solidFill>
+              </a:rPr>
+              <a:t>&lt;html&gt;</a:t>
+            </a:r>
+            <a:r>
+              <a:rPr lang="en-US" sz="2400" dirty="0">
+                <a:solidFill>
+                  <a:srgbClr val="0070C0"/>
+                </a:solidFill>
+              </a:rPr>
+              <a:t> </a:t>
+            </a:r>
+            <a:r>
+              <a:rPr lang="en-US" sz="2400" dirty="0"/>
+              <a:t>element is the root element and it defines the whole </a:t>
+            </a:r>
+            <a:r>
+              <a:rPr lang="en-US" sz="2400" dirty="0" smtClean="0"/>
+              <a:t>HTML </a:t>
+            </a:r>
+            <a:r>
+              <a:rPr lang="en-US" sz="2400" dirty="0"/>
+              <a:t>document</a:t>
+            </a:r>
+            <a:r>
+              <a:rPr lang="en-US" sz="2400" dirty="0" smtClean="0"/>
+              <a:t>.</a:t>
+            </a:r>
+          </a:p>
+          <a:p>
+            <a:endParaRPr lang="en-US" sz="2400" dirty="0" smtClean="0"/>
+          </a:p>
+          <a:p>
+            <a:r>
+              <a:rPr lang="en-US" sz="2400" dirty="0" smtClean="0"/>
+              <a:t>The </a:t>
+            </a:r>
+            <a:r>
+              <a:rPr lang="en-US" sz="2400" dirty="0" smtClean="0">
+                <a:solidFill>
+                  <a:srgbClr val="0070C0"/>
+                </a:solidFill>
+              </a:rPr>
+              <a:t>&lt;head&gt; </a:t>
+            </a:r>
+            <a:r>
+              <a:rPr lang="en-US" sz="2400" dirty="0" smtClean="0"/>
+              <a:t>element is where we given meta data about the webpage. &lt;title&gt; and others</a:t>
+            </a:r>
+          </a:p>
+          <a:p>
+            <a:endParaRPr lang="en-US" sz="2400" dirty="0" smtClean="0"/>
+          </a:p>
+          <a:p>
+            <a:r>
+              <a:rPr lang="en-US" sz="2400" dirty="0" smtClean="0"/>
+              <a:t>The </a:t>
+            </a:r>
+            <a:r>
+              <a:rPr lang="en-US" sz="2400" dirty="0" smtClean="0">
+                <a:solidFill>
+                  <a:srgbClr val="0070C0"/>
+                </a:solidFill>
+              </a:rPr>
+              <a:t>&lt;body&gt;</a:t>
+            </a:r>
+            <a:r>
+              <a:rPr lang="en-US" sz="2400" dirty="0" smtClean="0"/>
+              <a:t> element defines the document's body.</a:t>
+            </a:r>
+          </a:p>
+          <a:p>
+            <a:endParaRPr lang="en-US" sz="2400" dirty="0" smtClean="0"/>
+          </a:p>
+          <a:p>
+            <a:r>
+              <a:rPr lang="en-US" sz="2400" dirty="0" smtClean="0"/>
+              <a:t>The elements </a:t>
+            </a:r>
+            <a:r>
+              <a:rPr lang="en-US" sz="2400" dirty="0"/>
+              <a:t>with no content are called </a:t>
+            </a:r>
+            <a:r>
+              <a:rPr lang="en-US" sz="2400" dirty="0">
+                <a:solidFill>
+                  <a:srgbClr val="0070C0"/>
+                </a:solidFill>
+              </a:rPr>
+              <a:t>empty elements</a:t>
+            </a:r>
+            <a:r>
+              <a:rPr lang="en-US" sz="2400" dirty="0"/>
+              <a:t>.</a:t>
+            </a:r>
+          </a:p>
+          <a:p>
+            <a:endParaRPr lang="en-US" sz="2400" dirty="0"/>
           </a:p>
         </p:txBody>
       </p:sp>
@@ -4705,7 +6397,7 @@
               <a:pPr>
                 <a:defRPr/>
               </a:pPr>
-              <a:t>Monday, June 15, 2020</a:t>
+              <a:t>Tuesday, June 16, 2020</a:t>
             </a:fld>
             <a:endParaRPr lang="en-US" dirty="0"/>
           </a:p>
@@ -4740,7 +6432,7 @@
     </p:spTree>
     <p:extLst>
       <p:ext uri="{BB962C8B-B14F-4D97-AF65-F5344CB8AC3E}">
-        <p14:creationId xmlns:p14="http://schemas.microsoft.com/office/powerpoint/2010/main" val="1522983360"/>
+        <p14:creationId xmlns:p14="http://schemas.microsoft.com/office/powerpoint/2010/main" val="2098128803"/>
       </p:ext>
     </p:extLst>
   </p:cSld>
@@ -4789,7 +6481,11 @@
           <a:bodyPr/>
           <a:lstStyle/>
           <a:p>
-            <a:endParaRPr lang="en-US"/>
+            <a:r>
+              <a:rPr lang="en-US" dirty="0" smtClean="0"/>
+              <a:t>HTML Document Structure</a:t>
+            </a:r>
+            <a:endParaRPr lang="en-US" dirty="0"/>
           </a:p>
         </p:txBody>
       </p:sp>
@@ -4810,92 +6506,11 @@
           <a:p>
             <a:r>
               <a:rPr lang="en-US" dirty="0"/>
-              <a:t>Nested HTML Elements</a:t>
-            </a:r>
-          </a:p>
-          <a:p>
-            <a:r>
+              <a:t/>
+            </a:r>
+            <a:br>
               <a:rPr lang="en-US" dirty="0"/>
-              <a:t>The </a:t>
-            </a:r>
-            <a:r>
-              <a:rPr lang="en-US" dirty="0"/>
-              <a:t>&lt;html&gt;</a:t>
-            </a:r>
-            <a:r>
-              <a:rPr lang="en-US" dirty="0"/>
-              <a:t> element is the root element and it defines the whole </a:t>
-            </a:r>
-            <a:r>
-              <a:rPr lang="en-US" dirty="0" smtClean="0"/>
-              <a:t>HTML </a:t>
-            </a:r>
-            <a:r>
-              <a:rPr lang="en-US" dirty="0"/>
-              <a:t>document</a:t>
-            </a:r>
-            <a:r>
-              <a:rPr lang="en-US" dirty="0" smtClean="0"/>
-              <a:t>.</a:t>
-            </a:r>
-          </a:p>
-          <a:p>
-            <a:r>
-              <a:rPr lang="en-US" dirty="0"/>
-              <a:t>The </a:t>
-            </a:r>
-            <a:r>
-              <a:rPr lang="en-US" dirty="0"/>
-              <a:t>&lt;body&gt;</a:t>
-            </a:r>
-            <a:r>
-              <a:rPr lang="en-US" dirty="0"/>
-              <a:t> element defines the document's body</a:t>
-            </a:r>
-            <a:r>
-              <a:rPr lang="en-US" dirty="0" smtClean="0"/>
-              <a:t>.</a:t>
-            </a:r>
-          </a:p>
-          <a:p>
-            <a:r>
-              <a:rPr lang="en-US" dirty="0"/>
-              <a:t>The </a:t>
-            </a:r>
-            <a:r>
-              <a:rPr lang="en-US" dirty="0"/>
-              <a:t>&lt;h1&gt;</a:t>
-            </a:r>
-            <a:r>
-              <a:rPr lang="en-US" dirty="0"/>
-              <a:t> element defines a heading</a:t>
-            </a:r>
-            <a:r>
-              <a:rPr lang="en-US" dirty="0" smtClean="0"/>
-              <a:t>. Heading can be h1, h2,</a:t>
-            </a:r>
-            <a:r>
-              <a:rPr lang="mr-IN" dirty="0" smtClean="0"/>
-              <a:t>…</a:t>
-            </a:r>
-            <a:r>
-              <a:rPr lang="en-US" dirty="0" smtClean="0"/>
-              <a:t>, h6 but not limited.</a:t>
-            </a:r>
-          </a:p>
-          <a:p>
-            <a:r>
-              <a:rPr lang="en-US" dirty="0"/>
-              <a:t>The </a:t>
-            </a:r>
-            <a:r>
-              <a:rPr lang="en-US" dirty="0"/>
-              <a:t>&lt;p&gt;</a:t>
-            </a:r>
-            <a:r>
-              <a:rPr lang="en-US" dirty="0"/>
-              <a:t> element defines a paragraph.</a:t>
-            </a:r>
+            </a:br>
             <a:endParaRPr lang="en-US" dirty="0"/>
           </a:p>
         </p:txBody>
@@ -4955,10 +6570,92 @@
           </a:p>
         </p:txBody>
       </p:sp>
+      <p:pic>
+        <p:nvPicPr>
+          <p:cNvPr id="2050" name="Picture 2" descr="ll About Links"/>
+          <p:cNvPicPr>
+            <a:picLocks noChangeAspect="1" noChangeArrowheads="1"/>
+          </p:cNvPicPr>
+          <p:nvPr/>
+        </p:nvPicPr>
+        <p:blipFill>
+          <a:blip r:embed="rId2">
+            <a:extLst>
+              <a:ext uri="{28A0092B-C50C-407E-A947-70E740481C1C}">
+                <a14:useLocalDpi xmlns:a14="http://schemas.microsoft.com/office/drawing/2010/main" val="0"/>
+              </a:ext>
+            </a:extLst>
+          </a:blip>
+          <a:srcRect/>
+          <a:stretch>
+            <a:fillRect/>
+          </a:stretch>
+        </p:blipFill>
+        <p:spPr bwMode="auto">
+          <a:xfrm>
+            <a:off x="457200" y="1367956"/>
+            <a:ext cx="4206240" cy="2377440"/>
+          </a:xfrm>
+          <a:prstGeom prst="rect">
+            <a:avLst/>
+          </a:prstGeom>
+          <a:noFill/>
+          <a:extLst>
+            <a:ext uri="{909E8E84-426E-40DD-AFC4-6F175D3DCCD1}">
+              <a14:hiddenFill xmlns:a14="http://schemas.microsoft.com/office/drawing/2010/main">
+                <a:solidFill>
+                  <a:srgbClr val="FFFFFF"/>
+                </a:solidFill>
+              </a14:hiddenFill>
+            </a:ext>
+          </a:extLst>
+        </p:spPr>
+      </p:pic>
+      <p:pic>
+        <p:nvPicPr>
+          <p:cNvPr id="2052" name="Picture 4" descr="SS | Website Layout - GeeksforGeeks"/>
+          <p:cNvPicPr>
+            <a:picLocks noChangeAspect="1" noChangeArrowheads="1"/>
+          </p:cNvPicPr>
+          <p:nvPr/>
+        </p:nvPicPr>
+        <p:blipFill>
+          <a:blip r:embed="rId3">
+            <a:extLst>
+              <a:ext uri="{28A0092B-C50C-407E-A947-70E740481C1C}">
+                <a14:useLocalDpi xmlns:a14="http://schemas.microsoft.com/office/drawing/2010/main" val="0"/>
+              </a:ext>
+            </a:extLst>
+          </a:blip>
+          <a:srcRect/>
+          <a:stretch>
+            <a:fillRect/>
+          </a:stretch>
+        </p:blipFill>
+        <p:spPr bwMode="auto">
+          <a:xfrm>
+            <a:off x="5040630" y="1142999"/>
+            <a:ext cx="3531870" cy="3155137"/>
+          </a:xfrm>
+          <a:prstGeom prst="rect">
+            <a:avLst/>
+          </a:prstGeom>
+          <a:noFill/>
+          <a:extLst>
+            <a:ext uri="{909E8E84-426E-40DD-AFC4-6F175D3DCCD1}">
+              <a14:hiddenFill xmlns:a14="http://schemas.microsoft.com/office/drawing/2010/main">
+                <a:solidFill>
+                  <a:srgbClr val="FFFFFF"/>
+                </a:solidFill>
+              </a14:hiddenFill>
+            </a:ext>
+          </a:extLst>
+        </p:spPr>
+      </p:pic>
     </p:spTree>
     <p:extLst>
       <p:ext uri="{BB962C8B-B14F-4D97-AF65-F5344CB8AC3E}">
-        <p14:creationId xmlns:p14="http://schemas.microsoft.com/office/powerpoint/2010/main" val="2098128803"/>
+        <p14:creationId xmlns:p14="http://schemas.microsoft.com/office/powerpoint/2010/main" val="660526786"/>
       </p:ext>
     </p:extLst>
   </p:cSld>
@@ -5007,7 +6704,11 @@
           <a:bodyPr/>
           <a:lstStyle/>
           <a:p>
-            <a:endParaRPr lang="en-US"/>
+            <a:r>
+              <a:rPr lang="en-US" dirty="0" smtClean="0"/>
+              <a:t>Basic Basic HTML Elements</a:t>
+            </a:r>
+            <a:endParaRPr lang="en-US" dirty="0"/>
           </a:p>
         </p:txBody>
       </p:sp>
@@ -5027,18 +6728,78 @@
           <a:lstStyle/>
           <a:p>
             <a:r>
+              <a:rPr lang="en-US" dirty="0" smtClean="0"/>
+              <a:t>the </a:t>
+            </a:r>
+            <a:r>
               <a:rPr lang="en-US" dirty="0"/>
-              <a:t>HTML elements with no content are called empty elements.</a:t>
-            </a:r>
-          </a:p>
-          <a:p>
+              <a:t>heading </a:t>
+            </a:r>
+            <a:r>
+              <a:rPr lang="en-US" dirty="0">
+                <a:hlinkClick r:id="rId2"/>
+              </a:rPr>
+              <a:t>&lt;h1&gt;-&lt;h6&gt;</a:t>
+            </a:r>
             <a:r>
               <a:rPr lang="en-US" dirty="0"/>
-              <a:t/>
-            </a:r>
-            <a:br>
+              <a:t> tags,</a:t>
+            </a:r>
+          </a:p>
+          <a:p>
+            <a:r>
               <a:rPr lang="en-US" dirty="0"/>
-            </a:br>
+              <a:t>the </a:t>
+            </a:r>
+            <a:r>
+              <a:rPr lang="en-US" dirty="0">
+                <a:hlinkClick r:id="rId3"/>
+              </a:rPr>
+              <a:t>&lt;p&gt;</a:t>
+            </a:r>
+            <a:r>
+              <a:rPr lang="en-US" dirty="0"/>
+              <a:t> tag,</a:t>
+            </a:r>
+          </a:p>
+          <a:p>
+            <a:r>
+              <a:rPr lang="en-US" dirty="0"/>
+              <a:t>the </a:t>
+            </a:r>
+            <a:r>
+              <a:rPr lang="en-US" dirty="0">
+                <a:hlinkClick r:id="rId4"/>
+              </a:rPr>
+              <a:t>&lt;img /&gt;</a:t>
+            </a:r>
+            <a:r>
+              <a:rPr lang="en-US" dirty="0"/>
+              <a:t> tag,</a:t>
+            </a:r>
+          </a:p>
+          <a:p>
+            <a:r>
+              <a:rPr lang="en-US" dirty="0"/>
+              <a:t>the </a:t>
+            </a:r>
+            <a:r>
+              <a:rPr lang="en-US" dirty="0">
+                <a:hlinkClick r:id="rId5"/>
+              </a:rPr>
+              <a:t>&lt;a&gt;</a:t>
+            </a:r>
+            <a:r>
+              <a:rPr lang="en-US" dirty="0"/>
+              <a:t> </a:t>
+            </a:r>
+            <a:r>
+              <a:rPr lang="en-US" dirty="0" smtClean="0"/>
+              <a:t>tag</a:t>
+            </a:r>
+            <a:endParaRPr lang="en-US" dirty="0"/>
+          </a:p>
+          <a:p>
             <a:endParaRPr lang="en-US" dirty="0"/>
           </a:p>
         </p:txBody>
@@ -5066,7 +6827,7 @@
               <a:pPr>
                 <a:defRPr/>
               </a:pPr>
-              <a:t>Monday, June 15, 2020</a:t>
+              <a:t>Tuesday, June 16, 2020</a:t>
             </a:fld>
             <a:endParaRPr lang="en-US" dirty="0"/>
           </a:p>
@@ -5101,20 +6862,13 @@
     </p:spTree>
     <p:extLst>
       <p:ext uri="{BB962C8B-B14F-4D97-AF65-F5344CB8AC3E}">
-        <p14:creationId xmlns:p14="http://schemas.microsoft.com/office/powerpoint/2010/main" val="660526786"/>
+        <p14:creationId xmlns:p14="http://schemas.microsoft.com/office/powerpoint/2010/main" val="1833118955"/>
       </p:ext>
     </p:extLst>
   </p:cSld>
   <p:clrMapOvr>
     <a:masterClrMapping/>
   </p:clrMapOvr>
-  <p:timing>
-    <p:tnLst>
-      <p:par>
-        <p:cTn id="1" dur="indefinite" restart="never" nodeType="tmRoot"/>
-      </p:par>
-    </p:tnLst>
-  </p:timing>
 </p:sld>
 </file>
 
@@ -5178,74 +6932,102 @@
           <a:lstStyle/>
           <a:p>
             <a:r>
-              <a:rPr lang="en-US" dirty="0"/>
+              <a:rPr lang="en-US" sz="2400" dirty="0"/>
               <a:t>All HTML elements can have </a:t>
             </a:r>
             <a:r>
-              <a:rPr lang="en-US" b="1" dirty="0"/>
+              <a:rPr lang="en-US" sz="2400" b="1" dirty="0">
+                <a:solidFill>
+                  <a:srgbClr val="0070C0"/>
+                </a:solidFill>
+              </a:rPr>
               <a:t>attributes</a:t>
             </a:r>
-            <a:endParaRPr lang="en-US" dirty="0"/>
-          </a:p>
-          <a:p>
-            <a:endParaRPr lang="en-US" dirty="0" smtClean="0"/>
-          </a:p>
-          <a:p>
-            <a:r>
-              <a:rPr lang="en-US" dirty="0" smtClean="0"/>
+            <a:endParaRPr lang="en-US" sz="2400" dirty="0">
+              <a:solidFill>
+                <a:srgbClr val="0070C0"/>
+              </a:solidFill>
+            </a:endParaRPr>
+          </a:p>
+          <a:p>
+            <a:endParaRPr lang="en-US" sz="2400" dirty="0" smtClean="0"/>
+          </a:p>
+          <a:p>
+            <a:r>
+              <a:rPr lang="en-US" sz="2400" dirty="0" smtClean="0"/>
               <a:t>Attributes </a:t>
             </a:r>
             <a:r>
-              <a:rPr lang="en-US" dirty="0"/>
+              <a:rPr lang="en-US" sz="2400" dirty="0"/>
               <a:t>provide </a:t>
             </a:r>
             <a:r>
-              <a:rPr lang="en-US" b="1" dirty="0"/>
+              <a:rPr lang="en-US" sz="2400" b="1" dirty="0">
+                <a:solidFill>
+                  <a:srgbClr val="0070C0"/>
+                </a:solidFill>
+              </a:rPr>
               <a:t>additional information</a:t>
             </a:r>
             <a:r>
-              <a:rPr lang="en-US" dirty="0"/>
+              <a:rPr lang="en-US" sz="2400" dirty="0"/>
               <a:t> about elements</a:t>
             </a:r>
           </a:p>
           <a:p>
-            <a:endParaRPr lang="en-US" dirty="0" smtClean="0"/>
-          </a:p>
-          <a:p>
-            <a:r>
-              <a:rPr lang="en-US" dirty="0" smtClean="0"/>
+            <a:endParaRPr lang="en-US" sz="2400" dirty="0" smtClean="0"/>
+          </a:p>
+          <a:p>
+            <a:r>
+              <a:rPr lang="en-US" sz="2400" dirty="0" smtClean="0"/>
               <a:t>Attributes </a:t>
             </a:r>
             <a:r>
-              <a:rPr lang="en-US" dirty="0"/>
+              <a:rPr lang="en-US" sz="2400" dirty="0"/>
               <a:t>are always specified in </a:t>
             </a:r>
             <a:r>
-              <a:rPr lang="en-US" b="1" dirty="0"/>
+              <a:rPr lang="en-US" sz="2400" b="1" dirty="0">
+                <a:solidFill>
+                  <a:srgbClr val="0070C0"/>
+                </a:solidFill>
+              </a:rPr>
               <a:t>the start tag</a:t>
             </a:r>
-            <a:endParaRPr lang="en-US" dirty="0"/>
-          </a:p>
-          <a:p>
-            <a:endParaRPr lang="en-US" dirty="0" smtClean="0"/>
-          </a:p>
-          <a:p>
-            <a:r>
-              <a:rPr lang="en-US" dirty="0" smtClean="0"/>
+            <a:endParaRPr lang="en-US" sz="2400" dirty="0">
+              <a:solidFill>
+                <a:srgbClr val="0070C0"/>
+              </a:solidFill>
+            </a:endParaRPr>
+          </a:p>
+          <a:p>
+            <a:endParaRPr lang="en-US" sz="2400" dirty="0" smtClean="0"/>
+          </a:p>
+          <a:p>
+            <a:r>
+              <a:rPr lang="en-US" sz="2400" dirty="0" smtClean="0"/>
               <a:t>Attributes </a:t>
             </a:r>
             <a:r>
-              <a:rPr lang="en-US" dirty="0"/>
+              <a:rPr lang="en-US" sz="2400" dirty="0"/>
               <a:t>usually come in name/value pairs like: </a:t>
             </a:r>
             <a:r>
-              <a:rPr lang="en-US" b="1" dirty="0"/>
+              <a:rPr lang="en-US" sz="2400" b="1" dirty="0">
+                <a:solidFill>
+                  <a:srgbClr val="0070C0"/>
+                </a:solidFill>
+              </a:rPr>
               <a:t>name="value"</a:t>
             </a:r>
-            <a:endParaRPr lang="en-US" dirty="0"/>
-          </a:p>
-          <a:p>
-            <a:endParaRPr lang="en-US" dirty="0"/>
+            <a:endParaRPr lang="en-US" sz="2400" dirty="0">
+              <a:solidFill>
+                <a:srgbClr val="0070C0"/>
+              </a:solidFill>
+            </a:endParaRPr>
+          </a:p>
+          <a:p>
+            <a:endParaRPr lang="en-US" sz="2400" dirty="0"/>
           </a:p>
         </p:txBody>
       </p:sp>
@@ -5356,7 +7138,15 @@
           <a:bodyPr/>
           <a:lstStyle/>
           <a:p>
-            <a:endParaRPr lang="en-US"/>
+            <a:r>
+              <a:rPr lang="en-US" dirty="0"/>
+              <a:t>HTML </a:t>
+            </a:r>
+            <a:r>
+              <a:rPr lang="en-US" dirty="0" smtClean="0"/>
+              <a:t>Formatting</a:t>
+            </a:r>
+            <a:endParaRPr lang="en-US" dirty="0"/>
           </a:p>
         </p:txBody>
       </p:sp>
@@ -5370,12 +7160,247 @@
             <p:ph idx="1"/>
           </p:nvPr>
         </p:nvSpPr>
-        <p:spPr/>
+        <p:spPr>
+          <a:xfrm>
+            <a:off x="457200" y="1265237"/>
+            <a:ext cx="8229600" cy="5029200"/>
+          </a:xfrm>
+        </p:spPr>
         <p:txBody>
           <a:bodyPr/>
           <a:lstStyle/>
           <a:p>
-            <a:endParaRPr lang="en-US"/>
+            <a:r>
+              <a:rPr lang="en-US" sz="2400" dirty="0" smtClean="0">
+                <a:solidFill>
+                  <a:srgbClr val="0070C0"/>
+                </a:solidFill>
+              </a:rPr>
+              <a:t>&lt;</a:t>
+            </a:r>
+            <a:r>
+              <a:rPr lang="en-US" sz="2400" dirty="0">
+                <a:solidFill>
+                  <a:srgbClr val="0070C0"/>
+                </a:solidFill>
+              </a:rPr>
+              <a:t>b&gt;</a:t>
+            </a:r>
+            <a:r>
+              <a:rPr lang="en-US" sz="2400" dirty="0"/>
+              <a:t> - Bold text</a:t>
+            </a:r>
+          </a:p>
+          <a:p>
+            <a:r>
+              <a:rPr lang="en-US" sz="2400" dirty="0">
+                <a:solidFill>
+                  <a:srgbClr val="0070C0"/>
+                </a:solidFill>
+              </a:rPr>
+              <a:t>&lt;strong&gt;</a:t>
+            </a:r>
+            <a:r>
+              <a:rPr lang="en-US" sz="2400" dirty="0"/>
+              <a:t> - Important text</a:t>
+            </a:r>
+          </a:p>
+          <a:p>
+            <a:r>
+              <a:rPr lang="en-US" sz="2400" dirty="0">
+                <a:solidFill>
+                  <a:srgbClr val="0070C0"/>
+                </a:solidFill>
+              </a:rPr>
+              <a:t>&lt;</a:t>
+            </a:r>
+            <a:r>
+              <a:rPr lang="en-US" sz="2400" dirty="0" err="1">
+                <a:solidFill>
+                  <a:srgbClr val="0070C0"/>
+                </a:solidFill>
+              </a:rPr>
+              <a:t>i</a:t>
+            </a:r>
+            <a:r>
+              <a:rPr lang="en-US" sz="2400" dirty="0">
+                <a:solidFill>
+                  <a:srgbClr val="0070C0"/>
+                </a:solidFill>
+              </a:rPr>
+              <a:t>&gt;</a:t>
+            </a:r>
+            <a:r>
+              <a:rPr lang="en-US" sz="2400" dirty="0"/>
+              <a:t> - </a:t>
+            </a:r>
+            <a:r>
+              <a:rPr lang="en-US" sz="2400" dirty="0" smtClean="0"/>
+              <a:t>Italic </a:t>
+            </a:r>
+            <a:r>
+              <a:rPr lang="en-US" sz="2400" dirty="0"/>
+              <a:t>text</a:t>
+            </a:r>
+          </a:p>
+          <a:p>
+            <a:r>
+              <a:rPr lang="en-US" sz="2400" dirty="0">
+                <a:solidFill>
+                  <a:srgbClr val="0070C0"/>
+                </a:solidFill>
+              </a:rPr>
+              <a:t>&lt;</a:t>
+            </a:r>
+            <a:r>
+              <a:rPr lang="en-US" sz="2400" dirty="0" err="1">
+                <a:solidFill>
+                  <a:srgbClr val="0070C0"/>
+                </a:solidFill>
+              </a:rPr>
+              <a:t>em</a:t>
+            </a:r>
+            <a:r>
+              <a:rPr lang="en-US" sz="2400" dirty="0">
+                <a:solidFill>
+                  <a:srgbClr val="0070C0"/>
+                </a:solidFill>
+              </a:rPr>
+              <a:t>&gt;</a:t>
+            </a:r>
+            <a:r>
+              <a:rPr lang="en-US" sz="2400" dirty="0"/>
+              <a:t> - Emphasized text</a:t>
+            </a:r>
+          </a:p>
+          <a:p>
+            <a:r>
+              <a:rPr lang="en-US" sz="2400" dirty="0">
+                <a:solidFill>
+                  <a:srgbClr val="0070C0"/>
+                </a:solidFill>
+              </a:rPr>
+              <a:t>&lt;mark&gt;</a:t>
+            </a:r>
+            <a:r>
+              <a:rPr lang="en-US" sz="2400" dirty="0"/>
+              <a:t> - Marked text</a:t>
+            </a:r>
+          </a:p>
+          <a:p>
+            <a:r>
+              <a:rPr lang="en-US" sz="2400" dirty="0">
+                <a:solidFill>
+                  <a:srgbClr val="0070C0"/>
+                </a:solidFill>
+              </a:rPr>
+              <a:t>&lt;small&gt;</a:t>
+            </a:r>
+            <a:r>
+              <a:rPr lang="en-US" sz="2400" dirty="0"/>
+              <a:t> - Smaller text</a:t>
+            </a:r>
+          </a:p>
+          <a:p>
+            <a:r>
+              <a:rPr lang="en-US" sz="2400" dirty="0">
+                <a:solidFill>
+                  <a:srgbClr val="0070C0"/>
+                </a:solidFill>
+              </a:rPr>
+              <a:t>&lt;del&gt;</a:t>
+            </a:r>
+            <a:r>
+              <a:rPr lang="en-US" sz="2400" dirty="0"/>
+              <a:t> - Deleted text</a:t>
+            </a:r>
+          </a:p>
+          <a:p>
+            <a:r>
+              <a:rPr lang="en-US" sz="2400" dirty="0">
+                <a:solidFill>
+                  <a:srgbClr val="0070C0"/>
+                </a:solidFill>
+              </a:rPr>
+              <a:t>&lt;ins&gt; </a:t>
+            </a:r>
+            <a:r>
+              <a:rPr lang="en-US" sz="2400" dirty="0"/>
+              <a:t>- Inserted text</a:t>
+            </a:r>
+          </a:p>
+          <a:p>
+            <a:r>
+              <a:rPr lang="en-US" sz="2400" dirty="0">
+                <a:solidFill>
+                  <a:srgbClr val="0070C0"/>
+                </a:solidFill>
+              </a:rPr>
+              <a:t>&lt;sub&gt;</a:t>
+            </a:r>
+            <a:r>
+              <a:rPr lang="en-US" sz="2400" dirty="0"/>
+              <a:t> - Subscript text</a:t>
+            </a:r>
+          </a:p>
+          <a:p>
+            <a:r>
+              <a:rPr lang="en-US" sz="2400" dirty="0">
+                <a:solidFill>
+                  <a:srgbClr val="0070C0"/>
+                </a:solidFill>
+              </a:rPr>
+              <a:t>&lt;sup&gt;</a:t>
+            </a:r>
+            <a:r>
+              <a:rPr lang="en-US" sz="2400" dirty="0"/>
+              <a:t> - Superscript </a:t>
+            </a:r>
+            <a:r>
+              <a:rPr lang="en-US" sz="2400" dirty="0" smtClean="0"/>
+              <a:t>text</a:t>
+            </a:r>
+          </a:p>
+          <a:p>
+            <a:r>
+              <a:rPr lang="en-US" sz="2400" dirty="0" smtClean="0">
+                <a:solidFill>
+                  <a:srgbClr val="0070C0"/>
+                </a:solidFill>
+              </a:rPr>
+              <a:t>&lt;</a:t>
+            </a:r>
+            <a:r>
+              <a:rPr lang="en-US" sz="2400" dirty="0">
+                <a:solidFill>
+                  <a:srgbClr val="0070C0"/>
+                </a:solidFill>
+              </a:rPr>
+              <a:t>pre&gt; </a:t>
+            </a:r>
+            <a:r>
+              <a:rPr lang="en-US" sz="2400" dirty="0"/>
+              <a:t>preformatted</a:t>
+            </a:r>
+            <a:r>
+              <a:rPr lang="en-US" sz="2400" dirty="0" smtClean="0">
+                <a:solidFill>
+                  <a:schemeClr val="tx1"/>
+                </a:solidFill>
+              </a:rPr>
+              <a:t> </a:t>
+            </a:r>
+            <a:r>
+              <a:rPr lang="en-US" sz="2400" dirty="0" smtClean="0"/>
+              <a:t>Tag</a:t>
+            </a:r>
+            <a:endParaRPr lang="en-US" sz="2400" dirty="0"/>
+          </a:p>
+          <a:p>
+            <a:endParaRPr lang="en-US" sz="2400" dirty="0"/>
+          </a:p>
+          <a:p>
+            <a:endParaRPr lang="en-US" sz="2400" dirty="0"/>
           </a:p>
         </p:txBody>
       </p:sp>
@@ -5402,7 +7427,7 @@
               <a:pPr>
                 <a:defRPr/>
               </a:pPr>
-              <a:t>Monday, June 15, 2020</a:t>
+              <a:t>Tuesday, June 16, 2020</a:t>
             </a:fld>
             <a:endParaRPr lang="en-US" dirty="0"/>
           </a:p>
@@ -5474,21 +7499,269 @@
             <p:ph type="title"/>
           </p:nvPr>
         </p:nvSpPr>
-        <p:spPr>
-          <a:xfrm>
-            <a:off x="520700" y="2684462"/>
-            <a:ext cx="7391400" cy="655638"/>
-          </a:xfrm>
-        </p:spPr>
+        <p:spPr/>
         <p:txBody>
           <a:bodyPr/>
           <a:lstStyle/>
           <a:p>
             <a:r>
+              <a:rPr lang="en-US" dirty="0"/>
+              <a:t>HTML Formatting </a:t>
+            </a:r>
+            <a:r>
               <a:rPr lang="en-US" dirty="0" smtClean="0"/>
-              <a:t>Thank you</a:t>
-            </a:r>
-            <a:endParaRPr lang="en-US" dirty="0"/>
+              <a:t>(cont.)</a:t>
+            </a:r>
+            <a:endParaRPr lang="en-US" dirty="0"/>
+          </a:p>
+        </p:txBody>
+      </p:sp>
+      <p:sp>
+        <p:nvSpPr>
+          <p:cNvPr id="3" name="Content Placeholder 2"/>
+          <p:cNvSpPr>
+            <a:spLocks noGrp="1"/>
+          </p:cNvSpPr>
+          <p:nvPr>
+            <p:ph idx="1"/>
+          </p:nvPr>
+        </p:nvSpPr>
+        <p:spPr/>
+        <p:txBody>
+          <a:bodyPr/>
+          <a:lstStyle/>
+          <a:p>
+            <a:r>
+              <a:rPr lang="en-US" sz="2400" dirty="0"/>
+              <a:t>The HTML </a:t>
+            </a:r>
+            <a:r>
+              <a:rPr lang="en-US" sz="2400" dirty="0">
+                <a:solidFill>
+                  <a:srgbClr val="0070C0"/>
+                </a:solidFill>
+              </a:rPr>
+              <a:t>&lt;b&gt;</a:t>
+            </a:r>
+            <a:r>
+              <a:rPr lang="en-US" sz="2400" dirty="0"/>
+              <a:t> element defines bold text, without any extra importance.</a:t>
+            </a:r>
+          </a:p>
+          <a:p>
+            <a:r>
+              <a:rPr lang="en-US" sz="2400" dirty="0"/>
+              <a:t>The HTML </a:t>
+            </a:r>
+            <a:r>
+              <a:rPr lang="en-US" sz="2400" dirty="0">
+                <a:solidFill>
+                  <a:srgbClr val="0070C0"/>
+                </a:solidFill>
+              </a:rPr>
+              <a:t>&lt;strong&gt;</a:t>
+            </a:r>
+            <a:r>
+              <a:rPr lang="en-US" sz="2400" dirty="0"/>
+              <a:t> element defines text with strong importance. The content inside is typically displayed in bold</a:t>
+            </a:r>
+            <a:r>
+              <a:rPr lang="en-US" sz="2400" dirty="0" smtClean="0"/>
+              <a:t>.</a:t>
+            </a:r>
+          </a:p>
+          <a:p>
+            <a:r>
+              <a:rPr lang="en-US" sz="2400" dirty="0">
+                <a:solidFill>
+                  <a:srgbClr val="0070C0"/>
+                </a:solidFill>
+              </a:rPr>
+              <a:t>&lt;address&gt; </a:t>
+            </a:r>
+            <a:r>
+              <a:rPr lang="en-US" sz="2400" dirty="0" smtClean="0"/>
+              <a:t>for address text format</a:t>
+            </a:r>
+            <a:endParaRPr lang="en-US" sz="2400" dirty="0"/>
+          </a:p>
+          <a:p>
+            <a:r>
+              <a:rPr lang="en-US" sz="2400" dirty="0"/>
+              <a:t>Text </a:t>
+            </a:r>
+            <a:r>
+              <a:rPr lang="en-US" sz="2400" dirty="0" smtClean="0"/>
+              <a:t>Abbreviation </a:t>
+            </a:r>
+            <a:r>
+              <a:rPr lang="en-US" sz="2400" dirty="0">
+                <a:solidFill>
+                  <a:srgbClr val="0070C0"/>
+                </a:solidFill>
+              </a:rPr>
+              <a:t>&lt;</a:t>
+            </a:r>
+            <a:r>
+              <a:rPr lang="en-US" sz="2400" dirty="0" err="1">
+                <a:solidFill>
+                  <a:srgbClr val="0070C0"/>
+                </a:solidFill>
+              </a:rPr>
+              <a:t>abbr</a:t>
+            </a:r>
+            <a:r>
+              <a:rPr lang="en-US" sz="2400" dirty="0">
+                <a:solidFill>
+                  <a:srgbClr val="0070C0"/>
+                </a:solidFill>
+              </a:rPr>
+              <a:t>&gt;</a:t>
+            </a:r>
+            <a:endParaRPr lang="en-US" sz="2400" dirty="0">
+              <a:solidFill>
+                <a:srgbClr val="0070C0"/>
+              </a:solidFill>
+            </a:endParaRPr>
+          </a:p>
+          <a:p>
+            <a:r>
+              <a:rPr lang="en-US" sz="2400" dirty="0" smtClean="0"/>
+              <a:t>Acronym Element </a:t>
+            </a:r>
+            <a:r>
+              <a:rPr lang="en-US" sz="2400" dirty="0">
+                <a:solidFill>
+                  <a:srgbClr val="0070C0"/>
+                </a:solidFill>
+              </a:rPr>
+              <a:t>&lt;acronym&gt;</a:t>
+            </a:r>
+            <a:endParaRPr lang="en-US" sz="2400" dirty="0">
+              <a:solidFill>
+                <a:srgbClr val="0070C0"/>
+              </a:solidFill>
+            </a:endParaRPr>
+          </a:p>
+          <a:p>
+            <a:r>
+              <a:rPr lang="en-US" sz="2400" dirty="0"/>
+              <a:t>Special </a:t>
+            </a:r>
+            <a:r>
+              <a:rPr lang="en-US" sz="2400" dirty="0" smtClean="0"/>
+              <a:t>Terms </a:t>
+            </a:r>
+            <a:r>
+              <a:rPr lang="en-US" sz="2400" dirty="0">
+                <a:solidFill>
+                  <a:srgbClr val="0070C0"/>
+                </a:solidFill>
+              </a:rPr>
+              <a:t>&lt;</a:t>
+            </a:r>
+            <a:r>
+              <a:rPr lang="en-US" sz="2400" dirty="0" err="1">
+                <a:solidFill>
+                  <a:srgbClr val="0070C0"/>
+                </a:solidFill>
+              </a:rPr>
+              <a:t>dfn</a:t>
+            </a:r>
+            <a:r>
+              <a:rPr lang="en-US" sz="2400" dirty="0">
+                <a:solidFill>
+                  <a:srgbClr val="0070C0"/>
+                </a:solidFill>
+              </a:rPr>
+              <a:t>&gt;</a:t>
+            </a:r>
+          </a:p>
+          <a:p>
+            <a:r>
+              <a:rPr lang="en-US" sz="2400" dirty="0" smtClean="0"/>
+              <a:t>Text Direction </a:t>
+            </a:r>
+            <a:r>
+              <a:rPr lang="en-US" sz="2400" dirty="0">
+                <a:solidFill>
+                  <a:srgbClr val="0070C0"/>
+                </a:solidFill>
+              </a:rPr>
+              <a:t>&lt;</a:t>
+            </a:r>
+            <a:r>
+              <a:rPr lang="en-US" sz="2400" dirty="0" err="1">
+                <a:solidFill>
+                  <a:srgbClr val="0070C0"/>
+                </a:solidFill>
+              </a:rPr>
+              <a:t>bdo</a:t>
+            </a:r>
+            <a:r>
+              <a:rPr lang="en-US" sz="2400" dirty="0" smtClean="0">
+                <a:solidFill>
+                  <a:srgbClr val="0070C0"/>
+                </a:solidFill>
+              </a:rPr>
+              <a:t>&gt;</a:t>
+            </a:r>
+          </a:p>
+          <a:p>
+            <a:r>
+              <a:rPr lang="en-US" sz="2400" dirty="0"/>
+              <a:t>Quoting </a:t>
+            </a:r>
+            <a:r>
+              <a:rPr lang="en-US" sz="2400" dirty="0" smtClean="0"/>
+              <a:t>Text </a:t>
+            </a:r>
+            <a:r>
+              <a:rPr lang="en-US" sz="2400" dirty="0">
+                <a:solidFill>
+                  <a:srgbClr val="0070C0"/>
+                </a:solidFill>
+              </a:rPr>
+              <a:t>&lt;</a:t>
+            </a:r>
+            <a:r>
+              <a:rPr lang="en-US" sz="2400" dirty="0" err="1">
+                <a:solidFill>
+                  <a:srgbClr val="0070C0"/>
+                </a:solidFill>
+              </a:rPr>
+              <a:t>blockquote</a:t>
+            </a:r>
+            <a:r>
+              <a:rPr lang="en-US" sz="2400" dirty="0" smtClean="0">
+                <a:solidFill>
+                  <a:srgbClr val="0070C0"/>
+                </a:solidFill>
+              </a:rPr>
+              <a:t>&gt;</a:t>
+            </a:r>
+            <a:endParaRPr lang="en-US" sz="2400" dirty="0"/>
+          </a:p>
+          <a:p>
+            <a:r>
+              <a:rPr lang="en-US" sz="2400" dirty="0"/>
+              <a:t>Short </a:t>
+            </a:r>
+            <a:r>
+              <a:rPr lang="en-US" sz="2400" dirty="0" smtClean="0"/>
+              <a:t>Quotations &lt;q&gt;</a:t>
+            </a:r>
+            <a:r>
+              <a:rPr lang="en-US" sz="2400" dirty="0"/>
+              <a:t/>
+            </a:r>
+            <a:br>
+              <a:rPr lang="en-US" sz="2400" dirty="0"/>
+            </a:br>
+            <a:endParaRPr lang="en-US" sz="2400" dirty="0"/>
+          </a:p>
+          <a:p>
+            <a:endParaRPr lang="en-US" sz="2400" dirty="0"/>
           </a:p>
         </p:txBody>
       </p:sp>
@@ -5515,7 +7788,7 @@
               <a:pPr>
                 <a:defRPr/>
               </a:pPr>
-              <a:t>Monday, June 15, 2020</a:t>
+              <a:t>Tuesday, June 16, 2020</a:t>
             </a:fld>
             <a:endParaRPr lang="en-US" dirty="0"/>
           </a:p>
@@ -5523,7 +7796,7 @@
       </p:sp>
       <p:sp>
         <p:nvSpPr>
-          <p:cNvPr id="7" name="Footer Placeholder 4"/>
+          <p:cNvPr id="5" name="Footer Placeholder 4"/>
           <p:cNvSpPr>
             <a:spLocks noGrp="1"/>
           </p:cNvSpPr>
@@ -5531,12 +7804,7 @@
             <p:ph type="ftr" sz="quarter" idx="11"/>
           </p:nvPr>
         </p:nvSpPr>
-        <p:spPr>
-          <a:xfrm>
-            <a:off x="3124200" y="6416675"/>
-            <a:ext cx="2895600" cy="365125"/>
-          </a:xfrm>
-        </p:spPr>
+        <p:spPr/>
         <p:txBody>
           <a:bodyPr/>
           <a:lstStyle/>
@@ -5545,14 +7813,19 @@
               <a:defRPr/>
             </a:pPr>
             <a:r>
-              <a:rPr lang="en-US" dirty="0" smtClean="0"/>
-              <a:t>KLEF (Deemed to be University), Dept. of BES-1  FDP : Introduction to HTML5 and CSS3</a:t>
+              <a:rPr lang="en-US" smtClean="0"/>
+              <a:t>KLEF, Dept. of BES-1  Course : Problem Solving &amp; Computer Programming</a:t>
             </a:r>
             <a:endParaRPr lang="en-US" dirty="0"/>
           </a:p>
         </p:txBody>
       </p:sp>
     </p:spTree>
+    <p:extLst>
+      <p:ext uri="{BB962C8B-B14F-4D97-AF65-F5344CB8AC3E}">
+        <p14:creationId xmlns:p14="http://schemas.microsoft.com/office/powerpoint/2010/main" val="759995760"/>
+      </p:ext>
+    </p:extLst>
   </p:cSld>
   <p:clrMapOvr>
     <a:masterClrMapping/>
@@ -5564,6 +7837,211 @@
       </p:par>
     </p:tnLst>
   </p:timing>
+</p:sld>
+</file>
+
+<file path=ppt/slides/slide9.xml><?xml version="1.0" encoding="utf-8"?>
+<p:sld xmlns:a="http://schemas.openxmlformats.org/drawingml/2006/main" xmlns:r="http://schemas.openxmlformats.org/officeDocument/2006/relationships" xmlns:p="http://schemas.openxmlformats.org/presentationml/2006/main">
+  <p:cSld>
+    <p:spTree>
+      <p:nvGrpSpPr>
+        <p:cNvPr id="1" name=""/>
+        <p:cNvGrpSpPr/>
+        <p:nvPr/>
+      </p:nvGrpSpPr>
+      <p:grpSpPr>
+        <a:xfrm>
+          <a:off x="0" y="0"/>
+          <a:ext cx="0" cy="0"/>
+          <a:chOff x="0" y="0"/>
+          <a:chExt cx="0" cy="0"/>
+        </a:xfrm>
+      </p:grpSpPr>
+      <p:sp>
+        <p:nvSpPr>
+          <p:cNvPr id="2" name="Title 1"/>
+          <p:cNvSpPr>
+            <a:spLocks noGrp="1"/>
+          </p:cNvSpPr>
+          <p:nvPr>
+            <p:ph type="title"/>
+          </p:nvPr>
+        </p:nvSpPr>
+        <p:spPr/>
+        <p:txBody>
+          <a:bodyPr/>
+          <a:lstStyle/>
+          <a:p>
+            <a:endParaRPr lang="en-US"/>
+          </a:p>
+        </p:txBody>
+      </p:sp>
+      <p:sp>
+        <p:nvSpPr>
+          <p:cNvPr id="3" name="Content Placeholder 2"/>
+          <p:cNvSpPr>
+            <a:spLocks noGrp="1"/>
+          </p:cNvSpPr>
+          <p:nvPr>
+            <p:ph idx="1"/>
+          </p:nvPr>
+        </p:nvSpPr>
+        <p:spPr/>
+        <p:txBody>
+          <a:bodyPr/>
+          <a:lstStyle/>
+          <a:p>
+            <a:r>
+              <a:rPr lang="en-US" dirty="0"/>
+              <a:t>Computer </a:t>
+            </a:r>
+            <a:r>
+              <a:rPr lang="en-US" dirty="0" smtClean="0"/>
+              <a:t>Code &lt;</a:t>
+            </a:r>
+            <a:r>
+              <a:rPr lang="en-US" dirty="0"/>
+              <a:t>code</a:t>
+            </a:r>
+            <a:r>
+              <a:rPr lang="en-US" dirty="0" smtClean="0"/>
+              <a:t>&gt;</a:t>
+            </a:r>
+          </a:p>
+          <a:p>
+            <a:r>
+              <a:rPr lang="en-US" dirty="0"/>
+              <a:t>Keyboard </a:t>
+            </a:r>
+            <a:r>
+              <a:rPr lang="en-US" dirty="0" smtClean="0"/>
+              <a:t>Text &lt;</a:t>
+            </a:r>
+            <a:r>
+              <a:rPr lang="en-US" dirty="0" err="1" smtClean="0"/>
+              <a:t>kbd</a:t>
+            </a:r>
+            <a:r>
+              <a:rPr lang="en-US" dirty="0" smtClean="0"/>
+              <a:t>&gt;</a:t>
+            </a:r>
+            <a:endParaRPr lang="en-US" dirty="0"/>
+          </a:p>
+          <a:p>
+            <a:r>
+              <a:rPr lang="en-US" dirty="0"/>
+              <a:t>Programming </a:t>
+            </a:r>
+            <a:r>
+              <a:rPr lang="en-US" dirty="0" smtClean="0"/>
+              <a:t>Variables &lt;</a:t>
+            </a:r>
+            <a:r>
+              <a:rPr lang="en-US" dirty="0" err="1" smtClean="0"/>
+              <a:t>var</a:t>
+            </a:r>
+            <a:r>
+              <a:rPr lang="en-US" dirty="0" smtClean="0"/>
+              <a:t>&gt; together with &lt;code&gt; or &lt;pre&gt;</a:t>
+            </a:r>
+            <a:endParaRPr lang="en-US" dirty="0"/>
+          </a:p>
+          <a:p>
+            <a:r>
+              <a:rPr lang="en-US" dirty="0"/>
+              <a:t>Program </a:t>
+            </a:r>
+            <a:r>
+              <a:rPr lang="en-US" dirty="0" smtClean="0"/>
+              <a:t>Output &lt;</a:t>
+            </a:r>
+            <a:r>
+              <a:rPr lang="en-US" dirty="0" err="1" smtClean="0"/>
+              <a:t>samp</a:t>
+            </a:r>
+            <a:r>
+              <a:rPr lang="en-US" dirty="0" smtClean="0"/>
+              <a:t>&gt;</a:t>
+            </a:r>
+            <a:endParaRPr lang="en-US" dirty="0"/>
+          </a:p>
+          <a:p>
+            <a:r>
+              <a:rPr lang="en-US" dirty="0" smtClean="0"/>
+              <a:t> </a:t>
+            </a:r>
+            <a:endParaRPr lang="en-US" dirty="0"/>
+          </a:p>
+          <a:p>
+            <a:endParaRPr lang="en-US" dirty="0"/>
+          </a:p>
+        </p:txBody>
+      </p:sp>
+      <p:sp>
+        <p:nvSpPr>
+          <p:cNvPr id="4" name="Date Placeholder 3"/>
+          <p:cNvSpPr>
+            <a:spLocks noGrp="1"/>
+          </p:cNvSpPr>
+          <p:nvPr>
+            <p:ph type="dt" sz="half" idx="10"/>
+          </p:nvPr>
+        </p:nvSpPr>
+        <p:spPr/>
+        <p:txBody>
+          <a:bodyPr/>
+          <a:lstStyle/>
+          <a:p>
+            <a:pPr>
+              <a:defRPr/>
+            </a:pPr>
+            <a:fld id="{0DB64D86-418B-43E8-B677-73A34D214A7C}" type="datetime2">
+              <a:rPr lang="en-US" smtClean="0"/>
+              <a:pPr>
+                <a:defRPr/>
+              </a:pPr>
+              <a:t>Tuesday, June 16, 2020</a:t>
+            </a:fld>
+            <a:endParaRPr lang="en-US" dirty="0"/>
+          </a:p>
+        </p:txBody>
+      </p:sp>
+      <p:sp>
+        <p:nvSpPr>
+          <p:cNvPr id="5" name="Footer Placeholder 4"/>
+          <p:cNvSpPr>
+            <a:spLocks noGrp="1"/>
+          </p:cNvSpPr>
+          <p:nvPr>
+            <p:ph type="ftr" sz="quarter" idx="11"/>
+          </p:nvPr>
+        </p:nvSpPr>
+        <p:spPr/>
+        <p:txBody>
+          <a:bodyPr/>
+          <a:lstStyle/>
+          <a:p>
+            <a:pPr>
+              <a:defRPr/>
+            </a:pPr>
+            <a:r>
+              <a:rPr lang="en-US" smtClean="0"/>
+              <a:t>KLEF, Dept. of BES-1  Course : Problem Solving &amp; Computer Programming</a:t>
+            </a:r>
+            <a:endParaRPr lang="en-US" dirty="0"/>
+          </a:p>
+        </p:txBody>
+      </p:sp>
+    </p:spTree>
+    <p:extLst>
+      <p:ext uri="{BB962C8B-B14F-4D97-AF65-F5344CB8AC3E}">
+        <p14:creationId xmlns:p14="http://schemas.microsoft.com/office/powerpoint/2010/main" val="1438427618"/>
+      </p:ext>
+    </p:extLst>
+  </p:cSld>
+  <p:clrMapOvr>
+    <a:masterClrMapping/>
+  </p:clrMapOvr>
 </p:sld>
 </file>
 

--- a/html/ppt/day two.pptx
+++ b/html/ppt/day two.pptx
@@ -21,8 +21,8 @@
     <p:sldId id="906" r:id="rId12"/>
     <p:sldId id="907" r:id="rId13"/>
     <p:sldId id="908" r:id="rId14"/>
-    <p:sldId id="910" r:id="rId15"/>
-    <p:sldId id="912" r:id="rId16"/>
+    <p:sldId id="914" r:id="rId15"/>
+    <p:sldId id="910" r:id="rId16"/>
     <p:sldId id="913" r:id="rId17"/>
     <p:sldId id="898" r:id="rId18"/>
   </p:sldIdLst>
@@ -5474,7 +5474,7 @@
           <a:p>
             <a:r>
               <a:rPr lang="en-US" dirty="0" smtClean="0"/>
-              <a:t>List and Table</a:t>
+              <a:t>Image in HTML</a:t>
             </a:r>
             <a:endParaRPr lang="en-US" dirty="0"/>
           </a:p>
@@ -5495,22 +5495,7 @@
           <a:bodyPr/>
           <a:lstStyle/>
           <a:p>
-            <a:r>
-              <a:rPr lang="en-US" dirty="0" smtClean="0"/>
-              <a:t>Unordered List </a:t>
-            </a:r>
-          </a:p>
-          <a:p>
-            <a:r>
-              <a:rPr lang="en-US" dirty="0" smtClean="0"/>
-              <a:t>Ordered List</a:t>
-            </a:r>
-          </a:p>
-          <a:p>
-            <a:endParaRPr lang="en-US" dirty="0" smtClean="0"/>
-          </a:p>
-          <a:p>
-            <a:endParaRPr lang="en-US" dirty="0"/>
+            <a:endParaRPr lang="en-US"/>
           </a:p>
         </p:txBody>
       </p:sp>
@@ -5572,13 +5557,20 @@
     </p:spTree>
     <p:extLst>
       <p:ext uri="{BB962C8B-B14F-4D97-AF65-F5344CB8AC3E}">
-        <p14:creationId xmlns:p14="http://schemas.microsoft.com/office/powerpoint/2010/main" val="1490338999"/>
+        <p14:creationId xmlns:p14="http://schemas.microsoft.com/office/powerpoint/2010/main" val="104760564"/>
       </p:ext>
     </p:extLst>
   </p:cSld>
   <p:clrMapOvr>
     <a:masterClrMapping/>
   </p:clrMapOvr>
+  <p:timing>
+    <p:tnLst>
+      <p:par>
+        <p:cTn id="1" dur="indefinite" restart="never" nodeType="tmRoot"/>
+      </p:par>
+    </p:tnLst>
+  </p:timing>
 </p:sld>
 </file>
 
@@ -5616,7 +5608,7 @@
           <a:p>
             <a:r>
               <a:rPr lang="en-US" dirty="0" smtClean="0"/>
-              <a:t>Image in HTML</a:t>
+              <a:t>List and Table</a:t>
             </a:r>
             <a:endParaRPr lang="en-US" dirty="0"/>
           </a:p>
@@ -5637,7 +5629,22 @@
           <a:bodyPr/>
           <a:lstStyle/>
           <a:p>
-            <a:endParaRPr lang="en-US"/>
+            <a:r>
+              <a:rPr lang="en-US" dirty="0" smtClean="0"/>
+              <a:t>Unordered List </a:t>
+            </a:r>
+          </a:p>
+          <a:p>
+            <a:r>
+              <a:rPr lang="en-US" dirty="0" smtClean="0"/>
+              <a:t>Ordered List</a:t>
+            </a:r>
+          </a:p>
+          <a:p>
+            <a:endParaRPr lang="en-US" dirty="0" smtClean="0"/>
+          </a:p>
+          <a:p>
+            <a:endParaRPr lang="en-US" dirty="0"/>
           </a:p>
         </p:txBody>
       </p:sp>
@@ -5699,7 +5706,7 @@
     </p:spTree>
     <p:extLst>
       <p:ext uri="{BB962C8B-B14F-4D97-AF65-F5344CB8AC3E}">
-        <p14:creationId xmlns:p14="http://schemas.microsoft.com/office/powerpoint/2010/main" val="49930866"/>
+        <p14:creationId xmlns:p14="http://schemas.microsoft.com/office/powerpoint/2010/main" val="1490338999"/>
       </p:ext>
     </p:extLst>
   </p:cSld>
@@ -5742,10 +5749,10 @@
           <a:lstStyle/>
           <a:p>
             <a:r>
-              <a:rPr lang="en-US" smtClean="0"/>
+              <a:rPr lang="en-US" dirty="0" smtClean="0"/>
               <a:t>Table in HTML</a:t>
             </a:r>
-            <a:endParaRPr lang="en-US"/>
+            <a:endParaRPr lang="en-US" dirty="0"/>
           </a:p>
         </p:txBody>
       </p:sp>
@@ -5833,6 +5840,13 @@
   <p:clrMapOvr>
     <a:masterClrMapping/>
   </p:clrMapOvr>
+  <p:timing>
+    <p:tnLst>
+      <p:par>
+        <p:cTn id="1" dur="indefinite" restart="never" nodeType="tmRoot"/>
+      </p:par>
+    </p:tnLst>
+  </p:timing>
 </p:sld>
 </file>
 
@@ -8042,6 +8056,13 @@
   <p:clrMapOvr>
     <a:masterClrMapping/>
   </p:clrMapOvr>
+  <p:timing>
+    <p:tnLst>
+      <p:par>
+        <p:cTn id="1" dur="indefinite" restart="never" nodeType="tmRoot"/>
+      </p:par>
+    </p:tnLst>
+  </p:timing>
 </p:sld>
 </file>
 
